--- a/trunk/ButecoCalc/Calculadora de Buteco - V2.0.pptx
+++ b/trunk/ButecoCalc/Calculadora de Buteco - V2.0.pptx
@@ -293,7 +293,7 @@
             <a:fld id="{1A395A12-FCC0-4B92-B8E6-968BBAC1CEEF}" type="datetimeFigureOut">
               <a:rPr lang="pt-BR" smtClean="0"/>
               <a:pPr/>
-              <a:t>10/08/2013</a:t>
+              <a:t>11/08/2013</a:t>
             </a:fld>
             <a:endParaRPr lang="pt-BR"/>
           </a:p>
@@ -460,7 +460,7 @@
             <a:fld id="{1A395A12-FCC0-4B92-B8E6-968BBAC1CEEF}" type="datetimeFigureOut">
               <a:rPr lang="pt-BR" smtClean="0"/>
               <a:pPr/>
-              <a:t>10/08/2013</a:t>
+              <a:t>11/08/2013</a:t>
             </a:fld>
             <a:endParaRPr lang="pt-BR"/>
           </a:p>
@@ -637,7 +637,7 @@
             <a:fld id="{1A395A12-FCC0-4B92-B8E6-968BBAC1CEEF}" type="datetimeFigureOut">
               <a:rPr lang="pt-BR" smtClean="0"/>
               <a:pPr/>
-              <a:t>10/08/2013</a:t>
+              <a:t>11/08/2013</a:t>
             </a:fld>
             <a:endParaRPr lang="pt-BR"/>
           </a:p>
@@ -820,7 +820,7 @@
             <a:fld id="{1A395A12-FCC0-4B92-B8E6-968BBAC1CEEF}" type="datetimeFigureOut">
               <a:rPr lang="pt-BR" smtClean="0"/>
               <a:pPr/>
-              <a:t>10/08/2013</a:t>
+              <a:t>11/08/2013</a:t>
             </a:fld>
             <a:endParaRPr lang="pt-BR"/>
           </a:p>
@@ -1063,7 +1063,7 @@
             <a:fld id="{1A395A12-FCC0-4B92-B8E6-968BBAC1CEEF}" type="datetimeFigureOut">
               <a:rPr lang="pt-BR" smtClean="0"/>
               <a:pPr/>
-              <a:t>10/08/2013</a:t>
+              <a:t>11/08/2013</a:t>
             </a:fld>
             <a:endParaRPr lang="pt-BR"/>
           </a:p>
@@ -1348,7 +1348,7 @@
             <a:fld id="{1A395A12-FCC0-4B92-B8E6-968BBAC1CEEF}" type="datetimeFigureOut">
               <a:rPr lang="pt-BR" smtClean="0"/>
               <a:pPr/>
-              <a:t>10/08/2013</a:t>
+              <a:t>11/08/2013</a:t>
             </a:fld>
             <a:endParaRPr lang="pt-BR"/>
           </a:p>
@@ -1767,7 +1767,7 @@
             <a:fld id="{1A395A12-FCC0-4B92-B8E6-968BBAC1CEEF}" type="datetimeFigureOut">
               <a:rPr lang="pt-BR" smtClean="0"/>
               <a:pPr/>
-              <a:t>10/08/2013</a:t>
+              <a:t>11/08/2013</a:t>
             </a:fld>
             <a:endParaRPr lang="pt-BR"/>
           </a:p>
@@ -1882,7 +1882,7 @@
             <a:fld id="{1A395A12-FCC0-4B92-B8E6-968BBAC1CEEF}" type="datetimeFigureOut">
               <a:rPr lang="pt-BR" smtClean="0"/>
               <a:pPr/>
-              <a:t>10/08/2013</a:t>
+              <a:t>11/08/2013</a:t>
             </a:fld>
             <a:endParaRPr lang="pt-BR"/>
           </a:p>
@@ -1974,7 +1974,7 @@
             <a:fld id="{1A395A12-FCC0-4B92-B8E6-968BBAC1CEEF}" type="datetimeFigureOut">
               <a:rPr lang="pt-BR" smtClean="0"/>
               <a:pPr/>
-              <a:t>10/08/2013</a:t>
+              <a:t>11/08/2013</a:t>
             </a:fld>
             <a:endParaRPr lang="pt-BR"/>
           </a:p>
@@ -2248,7 +2248,7 @@
             <a:fld id="{1A395A12-FCC0-4B92-B8E6-968BBAC1CEEF}" type="datetimeFigureOut">
               <a:rPr lang="pt-BR" smtClean="0"/>
               <a:pPr/>
-              <a:t>10/08/2013</a:t>
+              <a:t>11/08/2013</a:t>
             </a:fld>
             <a:endParaRPr lang="pt-BR"/>
           </a:p>
@@ -2498,7 +2498,7 @@
             <a:fld id="{1A395A12-FCC0-4B92-B8E6-968BBAC1CEEF}" type="datetimeFigureOut">
               <a:rPr lang="pt-BR" smtClean="0"/>
               <a:pPr/>
-              <a:t>10/08/2013</a:t>
+              <a:t>11/08/2013</a:t>
             </a:fld>
             <a:endParaRPr lang="pt-BR"/>
           </a:p>
@@ -2708,7 +2708,7 @@
             <a:fld id="{1A395A12-FCC0-4B92-B8E6-968BBAC1CEEF}" type="datetimeFigureOut">
               <a:rPr lang="pt-BR" smtClean="0"/>
               <a:pPr/>
-              <a:t>10/08/2013</a:t>
+              <a:t>11/08/2013</a:t>
             </a:fld>
             <a:endParaRPr lang="pt-BR"/>
           </a:p>
@@ -3393,169 +3393,6 @@
       </p:sp>
       <p:sp>
         <p:nvSpPr>
-          <p:cNvPr id="4" name="Retângulo de cantos arredondados 3"/>
-          <p:cNvSpPr/>
-          <p:nvPr/>
-        </p:nvSpPr>
-        <p:spPr>
-          <a:xfrm>
-            <a:off x="4932040" y="118300"/>
-            <a:ext cx="3780000" cy="6669360"/>
-          </a:xfrm>
-          <a:prstGeom prst="roundRect">
-            <a:avLst>
-              <a:gd name="adj" fmla="val 8535"/>
-            </a:avLst>
-          </a:prstGeom>
-        </p:spPr>
-        <p:style>
-          <a:lnRef idx="2">
-            <a:schemeClr val="dk1">
-              <a:shade val="50000"/>
-            </a:schemeClr>
-          </a:lnRef>
-          <a:fillRef idx="1">
-            <a:schemeClr val="dk1"/>
-          </a:fillRef>
-          <a:effectRef idx="0">
-            <a:schemeClr val="dk1"/>
-          </a:effectRef>
-          <a:fontRef idx="minor">
-            <a:schemeClr val="lt1"/>
-          </a:fontRef>
-        </p:style>
-        <p:txBody>
-          <a:bodyPr rtlCol="0" anchor="ctr"/>
-          <a:lstStyle/>
-          <a:p>
-            <a:pPr algn="ctr"/>
-            <a:endParaRPr lang="pt-BR"/>
-          </a:p>
-        </p:txBody>
-      </p:sp>
-      <p:sp>
-        <p:nvSpPr>
-          <p:cNvPr id="6" name="Retângulo 5"/>
-          <p:cNvSpPr/>
-          <p:nvPr/>
-        </p:nvSpPr>
-        <p:spPr>
-          <a:xfrm>
-            <a:off x="4932040" y="404664"/>
-            <a:ext cx="3780000" cy="6048672"/>
-          </a:xfrm>
-          <a:prstGeom prst="rect">
-            <a:avLst/>
-          </a:prstGeom>
-          <a:ln>
-            <a:noFill/>
-          </a:ln>
-        </p:spPr>
-        <p:style>
-          <a:lnRef idx="2">
-            <a:schemeClr val="accent1">
-              <a:shade val="50000"/>
-            </a:schemeClr>
-          </a:lnRef>
-          <a:fillRef idx="1">
-            <a:schemeClr val="accent1"/>
-          </a:fillRef>
-          <a:effectRef idx="0">
-            <a:schemeClr val="accent1"/>
-          </a:effectRef>
-          <a:fontRef idx="minor">
-            <a:schemeClr val="lt1"/>
-          </a:fontRef>
-        </p:style>
-        <p:txBody>
-          <a:bodyPr rtlCol="0" anchor="ctr"/>
-          <a:lstStyle/>
-          <a:p>
-            <a:pPr algn="ctr"/>
-            <a:endParaRPr lang="pt-BR"/>
-          </a:p>
-        </p:txBody>
-      </p:sp>
-      <p:sp>
-        <p:nvSpPr>
-          <p:cNvPr id="5" name="Retângulo 4"/>
-          <p:cNvSpPr/>
-          <p:nvPr/>
-        </p:nvSpPr>
-        <p:spPr>
-          <a:xfrm>
-            <a:off x="4932040" y="406332"/>
-            <a:ext cx="3780000" cy="360040"/>
-          </a:xfrm>
-          <a:prstGeom prst="rect">
-            <a:avLst/>
-          </a:prstGeom>
-          <a:solidFill>
-            <a:schemeClr val="tx2">
-              <a:lumMod val="50000"/>
-            </a:schemeClr>
-          </a:solidFill>
-          <a:ln>
-            <a:noFill/>
-          </a:ln>
-          <a:effectLst>
-            <a:outerShdw blurRad="50800" dist="76200" dir="2700000" algn="tl" rotWithShape="0">
-              <a:schemeClr val="bg1">
-                <a:alpha val="40000"/>
-              </a:schemeClr>
-            </a:outerShdw>
-          </a:effectLst>
-        </p:spPr>
-        <p:style>
-          <a:lnRef idx="2">
-            <a:schemeClr val="accent1">
-              <a:shade val="50000"/>
-            </a:schemeClr>
-          </a:lnRef>
-          <a:fillRef idx="1">
-            <a:schemeClr val="accent1"/>
-          </a:fillRef>
-          <a:effectRef idx="0">
-            <a:schemeClr val="accent1"/>
-          </a:effectRef>
-          <a:fontRef idx="minor">
-            <a:schemeClr val="lt1"/>
-          </a:fontRef>
-        </p:style>
-        <p:txBody>
-          <a:bodyPr rtlCol="0" anchor="ctr"/>
-          <a:lstStyle/>
-          <a:p>
-            <a:r>
-              <a:rPr lang="en-US" b="1" dirty="0" smtClean="0"/>
-              <a:t>Na </a:t>
-            </a:r>
-            <a:r>
-              <a:rPr lang="en-US" b="1" dirty="0" err="1" smtClean="0"/>
-              <a:t>Hora</a:t>
-            </a:r>
-            <a:r>
-              <a:rPr lang="en-US" b="1" dirty="0" smtClean="0"/>
-              <a:t> </a:t>
-            </a:r>
-            <a:r>
-              <a:rPr lang="en-US" b="1" dirty="0" err="1" smtClean="0"/>
-              <a:t>da</a:t>
-            </a:r>
-            <a:r>
-              <a:rPr lang="en-US" b="1" dirty="0" smtClean="0"/>
-              <a:t> </a:t>
-            </a:r>
-            <a:r>
-              <a:rPr lang="en-US" b="1" dirty="0" err="1" smtClean="0"/>
-              <a:t>Conta</a:t>
-            </a:r>
-            <a:endParaRPr lang="pt-BR" b="1" dirty="0"/>
-          </a:p>
-        </p:txBody>
-      </p:sp>
-      <p:sp>
-        <p:nvSpPr>
           <p:cNvPr id="40" name="Espaço Reservado para Conteúdo 2"/>
           <p:cNvSpPr>
             <a:spLocks noGrp="1"/>
@@ -3596,6 +3433,30 @@
           </a:p>
         </p:txBody>
       </p:sp>
+      <p:pic>
+        <p:nvPicPr>
+          <p:cNvPr id="10" name="Imagem 9" descr="background.png"/>
+          <p:cNvPicPr>
+            <a:picLocks noChangeAspect="1"/>
+          </p:cNvPicPr>
+          <p:nvPr/>
+        </p:nvPicPr>
+        <p:blipFill>
+          <a:blip r:embed="rId2" cstate="print"/>
+          <a:stretch>
+            <a:fillRect/>
+          </a:stretch>
+        </p:blipFill>
+        <p:spPr>
+          <a:xfrm>
+            <a:off x="4930372" y="14820"/>
+            <a:ext cx="4140000" cy="6834906"/>
+          </a:xfrm>
+          <a:prstGeom prst="rect">
+            <a:avLst/>
+          </a:prstGeom>
+        </p:spPr>
+      </p:pic>
       <p:sp>
         <p:nvSpPr>
           <p:cNvPr id="43" name="Retângulo 42"/>
@@ -3604,8 +3465,8 @@
         </p:nvSpPr>
         <p:spPr>
           <a:xfrm>
-            <a:off x="4932040" y="1124744"/>
-            <a:ext cx="3780000" cy="360040"/>
+            <a:off x="5011936" y="1052736"/>
+            <a:ext cx="3978000" cy="360040"/>
           </a:xfrm>
           <a:prstGeom prst="rect">
             <a:avLst/>
@@ -3665,8 +3526,8 @@
         </p:nvSpPr>
         <p:spPr>
           <a:xfrm>
-            <a:off x="4932040" y="1772816"/>
-            <a:ext cx="3780000" cy="360040"/>
+            <a:off x="5011936" y="1700808"/>
+            <a:ext cx="3978000" cy="360040"/>
           </a:xfrm>
           <a:prstGeom prst="rect">
             <a:avLst/>
@@ -3726,8 +3587,8 @@
         </p:nvSpPr>
         <p:spPr>
           <a:xfrm>
-            <a:off x="4932040" y="2420888"/>
-            <a:ext cx="3780000" cy="360040"/>
+            <a:off x="5011936" y="2348880"/>
+            <a:ext cx="3978000" cy="360040"/>
           </a:xfrm>
           <a:prstGeom prst="rect">
             <a:avLst/>
@@ -3810,214 +3671,40 @@
           <a:chExt cx="0" cy="0"/>
         </a:xfrm>
       </p:grpSpPr>
-      <p:sp>
-        <p:nvSpPr>
-          <p:cNvPr id="2" name="Título 1"/>
-          <p:cNvSpPr>
-            <a:spLocks noGrp="1"/>
-          </p:cNvSpPr>
-          <p:nvPr>
-            <p:ph type="title"/>
-          </p:nvPr>
-        </p:nvSpPr>
-        <p:spPr/>
-        <p:txBody>
-          <a:bodyPr/>
-          <a:lstStyle/>
-          <a:p>
-            <a:r>
-              <a:rPr lang="en-US" dirty="0" smtClean="0"/>
-              <a:t>NHC – </a:t>
-            </a:r>
-            <a:r>
-              <a:rPr lang="en-US" dirty="0" err="1" smtClean="0"/>
-              <a:t>Tela</a:t>
-            </a:r>
-            <a:r>
-              <a:rPr lang="en-US" dirty="0" smtClean="0"/>
-              <a:t> </a:t>
-            </a:r>
-            <a:r>
-              <a:rPr lang="en-US" dirty="0" err="1" smtClean="0"/>
-              <a:t>Inicial</a:t>
-            </a:r>
-            <a:endParaRPr lang="pt-BR" dirty="0"/>
-          </a:p>
-        </p:txBody>
-      </p:sp>
-      <p:sp>
-        <p:nvSpPr>
-          <p:cNvPr id="4" name="Retângulo de cantos arredondados 3"/>
-          <p:cNvSpPr/>
+      <p:pic>
+        <p:nvPicPr>
+          <p:cNvPr id="41" name="Imagem 40" descr="background.png"/>
+          <p:cNvPicPr>
+            <a:picLocks noChangeAspect="1"/>
+          </p:cNvPicPr>
           <p:nvPr/>
-        </p:nvSpPr>
+        </p:nvPicPr>
+        <p:blipFill>
+          <a:blip r:embed="rId2" cstate="print"/>
+          <a:stretch>
+            <a:fillRect/>
+          </a:stretch>
+        </p:blipFill>
         <p:spPr>
           <a:xfrm>
-            <a:off x="4932040" y="118300"/>
-            <a:ext cx="3780000" cy="6669360"/>
-          </a:xfrm>
-          <a:prstGeom prst="roundRect">
-            <a:avLst>
-              <a:gd name="adj" fmla="val 8535"/>
-            </a:avLst>
-          </a:prstGeom>
-        </p:spPr>
-        <p:style>
-          <a:lnRef idx="2">
-            <a:schemeClr val="dk1">
-              <a:shade val="50000"/>
-            </a:schemeClr>
-          </a:lnRef>
-          <a:fillRef idx="1">
-            <a:schemeClr val="dk1"/>
-          </a:fillRef>
-          <a:effectRef idx="0">
-            <a:schemeClr val="dk1"/>
-          </a:effectRef>
-          <a:fontRef idx="minor">
-            <a:schemeClr val="lt1"/>
-          </a:fontRef>
-        </p:style>
-        <p:txBody>
-          <a:bodyPr rtlCol="0" anchor="ctr"/>
-          <a:lstStyle/>
-          <a:p>
-            <a:pPr algn="ctr"/>
-            <a:endParaRPr lang="pt-BR"/>
-          </a:p>
-        </p:txBody>
-      </p:sp>
-      <p:sp>
-        <p:nvSpPr>
-          <p:cNvPr id="6" name="Retângulo 5"/>
-          <p:cNvSpPr/>
-          <p:nvPr/>
-        </p:nvSpPr>
-        <p:spPr>
-          <a:xfrm>
-            <a:off x="4932040" y="404664"/>
-            <a:ext cx="3780000" cy="6048672"/>
+            <a:off x="4930372" y="14820"/>
+            <a:ext cx="4140000" cy="6834906"/>
           </a:xfrm>
           <a:prstGeom prst="rect">
             <a:avLst/>
           </a:prstGeom>
-          <a:ln>
-            <a:noFill/>
-          </a:ln>
         </p:spPr>
-        <p:style>
-          <a:lnRef idx="2">
-            <a:schemeClr val="accent1">
-              <a:shade val="50000"/>
-            </a:schemeClr>
-          </a:lnRef>
-          <a:fillRef idx="1">
-            <a:schemeClr val="accent1"/>
-          </a:fillRef>
-          <a:effectRef idx="0">
-            <a:schemeClr val="accent1"/>
-          </a:effectRef>
-          <a:fontRef idx="minor">
-            <a:schemeClr val="lt1"/>
-          </a:fontRef>
-        </p:style>
-        <p:txBody>
-          <a:bodyPr rtlCol="0" anchor="ctr"/>
-          <a:lstStyle/>
-          <a:p>
-            <a:pPr algn="ctr"/>
-            <a:endParaRPr lang="pt-BR"/>
-          </a:p>
-        </p:txBody>
-      </p:sp>
-      <p:sp>
-        <p:nvSpPr>
-          <p:cNvPr id="5" name="Retângulo 4"/>
+      </p:pic>
+      <p:sp>
+        <p:nvSpPr>
+          <p:cNvPr id="42" name="Retângulo 41"/>
           <p:cNvSpPr/>
           <p:nvPr/>
         </p:nvSpPr>
         <p:spPr>
           <a:xfrm>
-            <a:off x="4932040" y="406332"/>
-            <a:ext cx="3780000" cy="360040"/>
-          </a:xfrm>
-          <a:prstGeom prst="rect">
-            <a:avLst/>
-          </a:prstGeom>
-          <a:solidFill>
-            <a:schemeClr val="tx2">
-              <a:lumMod val="50000"/>
-            </a:schemeClr>
-          </a:solidFill>
-          <a:ln>
-            <a:noFill/>
-          </a:ln>
-          <a:effectLst>
-            <a:outerShdw blurRad="50800" dist="76200" dir="2700000" algn="tl" rotWithShape="0">
-              <a:schemeClr val="bg1">
-                <a:alpha val="40000"/>
-              </a:schemeClr>
-            </a:outerShdw>
-          </a:effectLst>
-        </p:spPr>
-        <p:style>
-          <a:lnRef idx="2">
-            <a:schemeClr val="accent1">
-              <a:shade val="50000"/>
-            </a:schemeClr>
-          </a:lnRef>
-          <a:fillRef idx="1">
-            <a:schemeClr val="accent1"/>
-          </a:fillRef>
-          <a:effectRef idx="0">
-            <a:schemeClr val="accent1"/>
-          </a:effectRef>
-          <a:fontRef idx="minor">
-            <a:schemeClr val="lt1"/>
-          </a:fontRef>
-        </p:style>
-        <p:txBody>
-          <a:bodyPr rtlCol="0" anchor="ctr"/>
-          <a:lstStyle/>
-          <a:p>
-            <a:r>
-              <a:rPr lang="en-US" b="1" dirty="0" smtClean="0"/>
-              <a:t>Na </a:t>
-            </a:r>
-            <a:r>
-              <a:rPr lang="en-US" b="1" dirty="0" err="1" smtClean="0"/>
-              <a:t>Hora</a:t>
-            </a:r>
-            <a:r>
-              <a:rPr lang="en-US" b="1" dirty="0" smtClean="0"/>
-              <a:t> </a:t>
-            </a:r>
-            <a:r>
-              <a:rPr lang="en-US" b="1" dirty="0" err="1" smtClean="0"/>
-              <a:t>da</a:t>
-            </a:r>
-            <a:r>
-              <a:rPr lang="en-US" b="1" dirty="0" smtClean="0"/>
-              <a:t> </a:t>
-            </a:r>
-            <a:r>
-              <a:rPr lang="en-US" b="1" dirty="0" err="1" smtClean="0"/>
-              <a:t>Conta</a:t>
-            </a:r>
-            <a:endParaRPr lang="pt-BR" b="1" dirty="0"/>
-          </a:p>
-        </p:txBody>
-      </p:sp>
-      <p:sp>
-        <p:nvSpPr>
-          <p:cNvPr id="9" name="Retângulo 8"/>
-          <p:cNvSpPr/>
-          <p:nvPr/>
-        </p:nvSpPr>
-        <p:spPr>
-          <a:xfrm>
-            <a:off x="4932040" y="908720"/>
-            <a:ext cx="3780000" cy="360040"/>
+            <a:off x="5011936" y="836712"/>
+            <a:ext cx="3978000" cy="360040"/>
           </a:xfrm>
           <a:prstGeom prst="rect">
             <a:avLst/>
@@ -4068,6 +3755,41 @@
           </a:p>
         </p:txBody>
       </p:sp>
+      <p:sp>
+        <p:nvSpPr>
+          <p:cNvPr id="2" name="Título 1"/>
+          <p:cNvSpPr>
+            <a:spLocks noGrp="1"/>
+          </p:cNvSpPr>
+          <p:nvPr>
+            <p:ph type="title"/>
+          </p:nvPr>
+        </p:nvSpPr>
+        <p:spPr/>
+        <p:txBody>
+          <a:bodyPr/>
+          <a:lstStyle/>
+          <a:p>
+            <a:r>
+              <a:rPr lang="en-US" dirty="0" smtClean="0"/>
+              <a:t>NHC – </a:t>
+            </a:r>
+            <a:r>
+              <a:rPr lang="en-US" dirty="0" err="1" smtClean="0"/>
+              <a:t>Tela</a:t>
+            </a:r>
+            <a:r>
+              <a:rPr lang="en-US" dirty="0" smtClean="0"/>
+              <a:t> </a:t>
+            </a:r>
+            <a:r>
+              <a:rPr lang="en-US" dirty="0" err="1" smtClean="0"/>
+              <a:t>Inicial</a:t>
+            </a:r>
+            <a:endParaRPr lang="pt-BR" dirty="0"/>
+          </a:p>
+        </p:txBody>
+      </p:sp>
       <p:pic>
         <p:nvPicPr>
           <p:cNvPr id="10" name="Imagem 9" descr="agua.jpg"/>
@@ -4077,14 +3799,14 @@
           <p:nvPr/>
         </p:nvPicPr>
         <p:blipFill>
-          <a:blip r:embed="rId2" cstate="print"/>
+          <a:blip r:embed="rId3" cstate="print"/>
           <a:stretch>
             <a:fillRect/>
           </a:stretch>
         </p:blipFill>
         <p:spPr>
           <a:xfrm>
-            <a:off x="5537016" y="1242824"/>
+            <a:off x="5724128" y="1242824"/>
             <a:ext cx="979862" cy="1034048"/>
           </a:xfrm>
           <a:prstGeom prst="rect">
@@ -4106,7 +3828,7 @@
         </p:nvGrpSpPr>
         <p:grpSpPr>
           <a:xfrm>
-            <a:off x="5609024" y="2164794"/>
+            <a:off x="5796136" y="2164794"/>
             <a:ext cx="864064" cy="461665"/>
             <a:chOff x="5796136" y="2164794"/>
             <a:chExt cx="864064" cy="461665"/>
@@ -4251,14 +3973,14 @@
           <p:nvPr/>
         </p:nvPicPr>
         <p:blipFill>
-          <a:blip r:embed="rId3" cstate="print"/>
+          <a:blip r:embed="rId4" cstate="print"/>
           <a:stretch>
             <a:fillRect/>
           </a:stretch>
         </p:blipFill>
         <p:spPr>
           <a:xfrm>
-            <a:off x="7207448" y="2708920"/>
+            <a:off x="7394560" y="2708920"/>
             <a:ext cx="979200" cy="979200"/>
           </a:xfrm>
           <a:prstGeom prst="rect">
@@ -4275,14 +3997,14 @@
           <p:nvPr/>
         </p:nvPicPr>
         <p:blipFill>
-          <a:blip r:embed="rId4" cstate="print"/>
+          <a:blip r:embed="rId5" cstate="print"/>
           <a:stretch>
             <a:fillRect/>
           </a:stretch>
         </p:blipFill>
         <p:spPr>
           <a:xfrm>
-            <a:off x="7207448" y="4437112"/>
+            <a:off x="7394560" y="4437112"/>
             <a:ext cx="979200" cy="767169"/>
           </a:xfrm>
           <a:prstGeom prst="rect">
@@ -4299,14 +4021,14 @@
           <p:nvPr/>
         </p:nvPicPr>
         <p:blipFill>
-          <a:blip r:embed="rId5" cstate="print"/>
+          <a:blip r:embed="rId6" cstate="print"/>
           <a:stretch>
             <a:fillRect/>
           </a:stretch>
         </p:blipFill>
         <p:spPr>
           <a:xfrm>
-            <a:off x="7193200" y="1412776"/>
+            <a:off x="7380312" y="1412776"/>
             <a:ext cx="979200" cy="767169"/>
           </a:xfrm>
           <a:prstGeom prst="rect">
@@ -4323,14 +4045,14 @@
           <p:nvPr/>
         </p:nvPicPr>
         <p:blipFill>
-          <a:blip r:embed="rId6" cstate="print"/>
+          <a:blip r:embed="rId7" cstate="print"/>
           <a:stretch>
             <a:fillRect/>
           </a:stretch>
         </p:blipFill>
         <p:spPr>
           <a:xfrm>
-            <a:off x="5580144" y="4437112"/>
+            <a:off x="5767256" y="4437112"/>
             <a:ext cx="979200" cy="911335"/>
           </a:xfrm>
           <a:prstGeom prst="rect">
@@ -4347,14 +4069,14 @@
           <p:nvPr/>
         </p:nvPicPr>
         <p:blipFill>
-          <a:blip r:embed="rId7" cstate="print"/>
+          <a:blip r:embed="rId8" cstate="print"/>
           <a:stretch>
             <a:fillRect/>
           </a:stretch>
         </p:blipFill>
         <p:spPr>
           <a:xfrm>
-            <a:off x="5580144" y="2708920"/>
+            <a:off x="5767256" y="2708920"/>
             <a:ext cx="979200" cy="924094"/>
           </a:xfrm>
           <a:prstGeom prst="rect">
@@ -4370,7 +4092,7 @@
         </p:nvGrpSpPr>
         <p:grpSpPr>
           <a:xfrm>
-            <a:off x="7193200" y="2175247"/>
+            <a:off x="7380312" y="2175247"/>
             <a:ext cx="864064" cy="461665"/>
             <a:chOff x="5796136" y="2164794"/>
             <a:chExt cx="864064" cy="461665"/>
@@ -4514,7 +4236,7 @@
         </p:nvGrpSpPr>
         <p:grpSpPr>
           <a:xfrm>
-            <a:off x="5580144" y="3717032"/>
+            <a:off x="5767256" y="3717032"/>
             <a:ext cx="864064" cy="461665"/>
             <a:chOff x="5796136" y="2164794"/>
             <a:chExt cx="864064" cy="461665"/>
@@ -4658,7 +4380,7 @@
         </p:nvGrpSpPr>
         <p:grpSpPr>
           <a:xfrm>
-            <a:off x="7236296" y="3713417"/>
+            <a:off x="7423408" y="3713417"/>
             <a:ext cx="864064" cy="461665"/>
             <a:chOff x="5796136" y="2164794"/>
             <a:chExt cx="864064" cy="461665"/>
@@ -4802,7 +4524,7 @@
         </p:nvGrpSpPr>
         <p:grpSpPr>
           <a:xfrm>
-            <a:off x="5681032" y="5373216"/>
+            <a:off x="5868144" y="5373216"/>
             <a:ext cx="864064" cy="400110"/>
             <a:chOff x="5796136" y="2164794"/>
             <a:chExt cx="864064" cy="400110"/>
@@ -4946,7 +4668,7 @@
         </p:nvGrpSpPr>
         <p:grpSpPr>
           <a:xfrm>
-            <a:off x="7236296" y="5371735"/>
+            <a:off x="7423408" y="5371735"/>
             <a:ext cx="864064" cy="400110"/>
             <a:chOff x="5796136" y="2164794"/>
             <a:chExt cx="864064" cy="400110"/>
@@ -5090,7 +4812,7 @@
         </p:nvSpPr>
         <p:spPr>
           <a:xfrm>
-            <a:off x="5940152" y="5877272"/>
+            <a:off x="6156176" y="6165304"/>
             <a:ext cx="1872208" cy="432048"/>
           </a:xfrm>
           <a:prstGeom prst="roundRect">
@@ -5390,177 +5112,345 @@
       </p:sp>
       <p:sp>
         <p:nvSpPr>
-          <p:cNvPr id="4" name="Retângulo de cantos arredondados 3"/>
-          <p:cNvSpPr/>
-          <p:nvPr/>
+          <p:cNvPr id="40" name="Espaço Reservado para Conteúdo 2"/>
+          <p:cNvSpPr>
+            <a:spLocks noGrp="1"/>
+          </p:cNvSpPr>
+          <p:nvPr>
+            <p:ph idx="1"/>
+          </p:nvPr>
         </p:nvSpPr>
         <p:spPr>
           <a:xfrm>
-            <a:off x="4932040" y="118300"/>
-            <a:ext cx="3780000" cy="6669360"/>
+            <a:off x="179512" y="908720"/>
+            <a:ext cx="4608512" cy="5217443"/>
           </a:xfrm>
-          <a:prstGeom prst="roundRect">
-            <a:avLst>
-              <a:gd name="adj" fmla="val 8535"/>
-            </a:avLst>
-          </a:prstGeom>
         </p:spPr>
-        <p:style>
-          <a:lnRef idx="2">
-            <a:schemeClr val="dk1">
-              <a:shade val="50000"/>
-            </a:schemeClr>
-          </a:lnRef>
-          <a:fillRef idx="1">
-            <a:schemeClr val="dk1"/>
-          </a:fillRef>
-          <a:effectRef idx="0">
-            <a:schemeClr val="dk1"/>
-          </a:effectRef>
-          <a:fontRef idx="minor">
-            <a:schemeClr val="lt1"/>
-          </a:fontRef>
-        </p:style>
-        <p:txBody>
-          <a:bodyPr rtlCol="0" anchor="ctr"/>
+        <p:txBody>
+          <a:bodyPr>
+            <a:normAutofit fontScale="92500" lnSpcReduction="10000"/>
+          </a:bodyPr>
           <a:lstStyle/>
           <a:p>
-            <a:pPr algn="ctr"/>
-            <a:endParaRPr lang="pt-BR"/>
-          </a:p>
-        </p:txBody>
-      </p:sp>
-      <p:sp>
-        <p:nvSpPr>
-          <p:cNvPr id="6" name="Retângulo 5"/>
-          <p:cNvSpPr/>
+            <a:r>
+              <a:rPr lang="en-US" dirty="0" err="1" smtClean="0"/>
+              <a:t>Ainda</a:t>
+            </a:r>
+            <a:r>
+              <a:rPr lang="en-US" dirty="0" smtClean="0"/>
+              <a:t> </a:t>
+            </a:r>
+            <a:r>
+              <a:rPr lang="en-US" dirty="0" err="1" smtClean="0"/>
+              <a:t>falta</a:t>
+            </a:r>
+            <a:endParaRPr lang="en-US" dirty="0" smtClean="0"/>
+          </a:p>
+          <a:p>
+            <a:pPr lvl="1"/>
+            <a:r>
+              <a:rPr lang="en-US" dirty="0" err="1" smtClean="0"/>
+              <a:t>Fazer</a:t>
+            </a:r>
+            <a:r>
+              <a:rPr lang="en-US" dirty="0" smtClean="0"/>
+              <a:t> o dialog </a:t>
+            </a:r>
+            <a:r>
+              <a:rPr lang="en-US" dirty="0" err="1" smtClean="0"/>
+              <a:t>para</a:t>
+            </a:r>
+            <a:r>
+              <a:rPr lang="en-US" dirty="0" smtClean="0"/>
+              <a:t> </a:t>
+            </a:r>
+            <a:r>
+              <a:rPr lang="en-US" dirty="0" err="1" smtClean="0"/>
+              <a:t>adicionar</a:t>
+            </a:r>
+            <a:r>
+              <a:rPr lang="en-US" dirty="0" smtClean="0"/>
+              <a:t> </a:t>
+            </a:r>
+            <a:r>
+              <a:rPr lang="en-US" dirty="0" err="1" smtClean="0"/>
+              <a:t>alguém</a:t>
+            </a:r>
+            <a:r>
+              <a:rPr lang="en-US" dirty="0" smtClean="0"/>
+              <a:t> (</a:t>
+            </a:r>
+            <a:r>
+              <a:rPr lang="en-US" dirty="0" err="1" smtClean="0"/>
+              <a:t>só</a:t>
+            </a:r>
+            <a:r>
+              <a:rPr lang="en-US" dirty="0" smtClean="0"/>
+              <a:t> o </a:t>
+            </a:r>
+            <a:r>
+              <a:rPr lang="en-US" dirty="0" err="1" smtClean="0"/>
+              <a:t>nome</a:t>
+            </a:r>
+            <a:r>
+              <a:rPr lang="en-US" dirty="0" smtClean="0"/>
+              <a:t>)</a:t>
+            </a:r>
+          </a:p>
+          <a:p>
+            <a:pPr lvl="1"/>
+            <a:r>
+              <a:rPr lang="en-US" dirty="0" smtClean="0"/>
+              <a:t>Para </a:t>
+            </a:r>
+            <a:r>
+              <a:rPr lang="en-US" dirty="0" err="1" smtClean="0"/>
+              <a:t>cada</a:t>
+            </a:r>
+            <a:r>
+              <a:rPr lang="en-US" dirty="0" smtClean="0"/>
+              <a:t> </a:t>
+            </a:r>
+            <a:r>
+              <a:rPr lang="en-US" dirty="0" err="1" smtClean="0"/>
+              <a:t>pessoa</a:t>
+            </a:r>
+            <a:r>
+              <a:rPr lang="en-US" dirty="0" smtClean="0"/>
+              <a:t> </a:t>
+            </a:r>
+            <a:r>
+              <a:rPr lang="en-US" dirty="0" err="1" smtClean="0"/>
+              <a:t>colocar</a:t>
+            </a:r>
+            <a:r>
+              <a:rPr lang="en-US" dirty="0" smtClean="0"/>
+              <a:t> a </a:t>
+            </a:r>
+            <a:r>
+              <a:rPr lang="en-US" dirty="0" err="1" smtClean="0"/>
+              <a:t>lista</a:t>
+            </a:r>
+            <a:r>
+              <a:rPr lang="en-US" dirty="0" smtClean="0"/>
+              <a:t> de </a:t>
+            </a:r>
+            <a:r>
+              <a:rPr lang="en-US" dirty="0" err="1" smtClean="0"/>
+              <a:t>itens</a:t>
+            </a:r>
+            <a:r>
+              <a:rPr lang="en-US" dirty="0" smtClean="0"/>
+              <a:t> </a:t>
+            </a:r>
+            <a:r>
+              <a:rPr lang="en-US" dirty="0" err="1" smtClean="0"/>
+              <a:t>ao</a:t>
+            </a:r>
+            <a:r>
+              <a:rPr lang="en-US" dirty="0" smtClean="0"/>
+              <a:t> </a:t>
+            </a:r>
+            <a:r>
+              <a:rPr lang="en-US" dirty="0" err="1" smtClean="0"/>
+              <a:t>lado</a:t>
+            </a:r>
+            <a:r>
+              <a:rPr lang="en-US" dirty="0" smtClean="0"/>
+              <a:t> p </a:t>
+            </a:r>
+            <a:r>
+              <a:rPr lang="en-US" dirty="0" err="1" smtClean="0"/>
+              <a:t>marcar</a:t>
+            </a:r>
+            <a:r>
+              <a:rPr lang="en-US" dirty="0" smtClean="0"/>
+              <a:t> </a:t>
+            </a:r>
+            <a:r>
+              <a:rPr lang="en-US" dirty="0" err="1" smtClean="0"/>
+              <a:t>qual</a:t>
+            </a:r>
+            <a:r>
+              <a:rPr lang="en-US" dirty="0" smtClean="0"/>
+              <a:t> </a:t>
+            </a:r>
+            <a:r>
+              <a:rPr lang="en-US" dirty="0" err="1" smtClean="0"/>
+              <a:t>foi</a:t>
+            </a:r>
+            <a:r>
+              <a:rPr lang="en-US" dirty="0" smtClean="0"/>
+              <a:t> </a:t>
+            </a:r>
+            <a:r>
+              <a:rPr lang="en-US" dirty="0" err="1" smtClean="0"/>
+              <a:t>consumido</a:t>
+            </a:r>
+            <a:r>
+              <a:rPr lang="en-US" dirty="0" smtClean="0"/>
+              <a:t> </a:t>
+            </a:r>
+            <a:r>
+              <a:rPr lang="en-US" dirty="0" err="1" smtClean="0"/>
+              <a:t>por</a:t>
+            </a:r>
+            <a:r>
+              <a:rPr lang="en-US" dirty="0" smtClean="0"/>
+              <a:t> </a:t>
+            </a:r>
+            <a:r>
+              <a:rPr lang="en-US" dirty="0" err="1" smtClean="0"/>
+              <a:t>ela</a:t>
+            </a:r>
+            <a:endParaRPr lang="en-US" dirty="0" smtClean="0"/>
+          </a:p>
+          <a:p>
+            <a:pPr lvl="1"/>
+            <a:r>
+              <a:rPr lang="en-US" dirty="0" err="1" smtClean="0"/>
+              <a:t>Fazer</a:t>
+            </a:r>
+            <a:r>
+              <a:rPr lang="en-US" dirty="0" smtClean="0"/>
+              <a:t> slide </a:t>
+            </a:r>
+            <a:r>
+              <a:rPr lang="en-US" dirty="0" err="1" smtClean="0"/>
+              <a:t>mostrando</a:t>
+            </a:r>
+            <a:r>
+              <a:rPr lang="en-US" dirty="0" smtClean="0"/>
+              <a:t> </a:t>
+            </a:r>
+            <a:r>
+              <a:rPr lang="en-US" dirty="0" err="1" smtClean="0"/>
+              <a:t>que</a:t>
+            </a:r>
+            <a:r>
+              <a:rPr lang="en-US" dirty="0" smtClean="0"/>
+              <a:t> </a:t>
+            </a:r>
+            <a:r>
+              <a:rPr lang="en-US" dirty="0" err="1" smtClean="0"/>
+              <a:t>para</a:t>
+            </a:r>
+            <a:r>
+              <a:rPr lang="en-US" dirty="0" smtClean="0"/>
+              <a:t> </a:t>
+            </a:r>
+            <a:r>
+              <a:rPr lang="en-US" dirty="0" err="1" smtClean="0"/>
+              <a:t>apagar</a:t>
+            </a:r>
+            <a:r>
+              <a:rPr lang="en-US" dirty="0" smtClean="0"/>
+              <a:t> é </a:t>
+            </a:r>
+            <a:r>
+              <a:rPr lang="en-US" dirty="0" err="1" smtClean="0"/>
+              <a:t>só</a:t>
+            </a:r>
+            <a:r>
+              <a:rPr lang="en-US" dirty="0" smtClean="0"/>
+              <a:t> </a:t>
+            </a:r>
+            <a:r>
+              <a:rPr lang="en-US" dirty="0" err="1" smtClean="0"/>
+              <a:t>ficar</a:t>
+            </a:r>
+            <a:r>
+              <a:rPr lang="en-US" dirty="0" smtClean="0"/>
+              <a:t> </a:t>
+            </a:r>
+            <a:r>
+              <a:rPr lang="en-US" dirty="0" err="1" smtClean="0"/>
+              <a:t>pressionando</a:t>
+            </a:r>
+            <a:r>
+              <a:rPr lang="en-US" dirty="0" smtClean="0"/>
+              <a:t> no </a:t>
+            </a:r>
+            <a:r>
+              <a:rPr lang="en-US" dirty="0" err="1" smtClean="0"/>
+              <a:t>nome</a:t>
+            </a:r>
+            <a:r>
+              <a:rPr lang="en-US" dirty="0" smtClean="0"/>
+              <a:t> </a:t>
+            </a:r>
+            <a:r>
+              <a:rPr lang="en-US" dirty="0" err="1" smtClean="0"/>
+              <a:t>então</a:t>
+            </a:r>
+            <a:r>
+              <a:rPr lang="en-US" dirty="0" smtClean="0"/>
+              <a:t> </a:t>
+            </a:r>
+            <a:r>
+              <a:rPr lang="en-US" dirty="0" err="1" smtClean="0"/>
+              <a:t>aparece</a:t>
+            </a:r>
+            <a:r>
+              <a:rPr lang="en-US" dirty="0" smtClean="0"/>
+              <a:t> um </a:t>
+            </a:r>
+            <a:r>
+              <a:rPr lang="en-US" b="1" i="1" dirty="0" smtClean="0"/>
+              <a:t>alert</a:t>
+            </a:r>
+            <a:r>
+              <a:rPr lang="en-US" dirty="0" smtClean="0"/>
+              <a:t> de </a:t>
+            </a:r>
+            <a:r>
+              <a:rPr lang="en-US" dirty="0" err="1" smtClean="0"/>
+              <a:t>confirmação</a:t>
+            </a:r>
+            <a:endParaRPr lang="en-US" dirty="0" smtClean="0"/>
+          </a:p>
+          <a:p>
+            <a:pPr>
+              <a:buNone/>
+            </a:pPr>
+            <a:endParaRPr lang="pt-BR" dirty="0"/>
+          </a:p>
+        </p:txBody>
+      </p:sp>
+      <p:pic>
+        <p:nvPicPr>
+          <p:cNvPr id="10" name="Imagem 9" descr="background.png"/>
+          <p:cNvPicPr>
+            <a:picLocks noChangeAspect="1"/>
+          </p:cNvPicPr>
           <p:nvPr/>
-        </p:nvSpPr>
+        </p:nvPicPr>
+        <p:blipFill>
+          <a:blip r:embed="rId2" cstate="print"/>
+          <a:stretch>
+            <a:fillRect/>
+          </a:stretch>
+        </p:blipFill>
         <p:spPr>
           <a:xfrm>
-            <a:off x="4932040" y="404664"/>
-            <a:ext cx="3780000" cy="6048672"/>
+            <a:off x="4930372" y="14820"/>
+            <a:ext cx="4140000" cy="6834906"/>
           </a:xfrm>
           <a:prstGeom prst="rect">
             <a:avLst/>
           </a:prstGeom>
-          <a:ln>
-            <a:noFill/>
-          </a:ln>
         </p:spPr>
-        <p:style>
-          <a:lnRef idx="2">
-            <a:schemeClr val="accent1">
-              <a:shade val="50000"/>
-            </a:schemeClr>
-          </a:lnRef>
-          <a:fillRef idx="1">
-            <a:schemeClr val="accent1"/>
-          </a:fillRef>
-          <a:effectRef idx="0">
-            <a:schemeClr val="accent1"/>
-          </a:effectRef>
-          <a:fontRef idx="minor">
-            <a:schemeClr val="lt1"/>
-          </a:fontRef>
-        </p:style>
-        <p:txBody>
-          <a:bodyPr rtlCol="0" anchor="ctr"/>
-          <a:lstStyle/>
-          <a:p>
-            <a:pPr algn="ctr"/>
-            <a:endParaRPr lang="pt-BR"/>
-          </a:p>
-        </p:txBody>
-      </p:sp>
-      <p:sp>
-        <p:nvSpPr>
-          <p:cNvPr id="5" name="Retângulo 4"/>
+      </p:pic>
+      <p:sp>
+        <p:nvSpPr>
+          <p:cNvPr id="11" name="Retângulo 10"/>
           <p:cNvSpPr/>
           <p:nvPr/>
         </p:nvSpPr>
         <p:spPr>
           <a:xfrm>
-            <a:off x="4932040" y="406332"/>
-            <a:ext cx="3780000" cy="360040"/>
-          </a:xfrm>
-          <a:prstGeom prst="rect">
-            <a:avLst/>
-          </a:prstGeom>
-          <a:solidFill>
-            <a:schemeClr val="tx2">
-              <a:lumMod val="50000"/>
-            </a:schemeClr>
-          </a:solidFill>
-          <a:ln>
-            <a:noFill/>
-          </a:ln>
-          <a:effectLst>
-            <a:outerShdw blurRad="50800" dist="76200" dir="2700000" algn="tl" rotWithShape="0">
-              <a:schemeClr val="bg1">
-                <a:alpha val="40000"/>
-              </a:schemeClr>
-            </a:outerShdw>
-          </a:effectLst>
-        </p:spPr>
-        <p:style>
-          <a:lnRef idx="2">
-            <a:schemeClr val="accent1">
-              <a:shade val="50000"/>
-            </a:schemeClr>
-          </a:lnRef>
-          <a:fillRef idx="1">
-            <a:schemeClr val="accent1"/>
-          </a:fillRef>
-          <a:effectRef idx="0">
-            <a:schemeClr val="accent1"/>
-          </a:effectRef>
-          <a:fontRef idx="minor">
-            <a:schemeClr val="lt1"/>
-          </a:fontRef>
-        </p:style>
-        <p:txBody>
-          <a:bodyPr rtlCol="0" anchor="ctr"/>
-          <a:lstStyle/>
-          <a:p>
-            <a:r>
-              <a:rPr lang="en-US" b="1" dirty="0" smtClean="0"/>
-              <a:t>Na </a:t>
-            </a:r>
-            <a:r>
-              <a:rPr lang="en-US" b="1" dirty="0" err="1" smtClean="0"/>
-              <a:t>Hora</a:t>
-            </a:r>
-            <a:r>
-              <a:rPr lang="en-US" b="1" dirty="0" smtClean="0"/>
-              <a:t> </a:t>
-            </a:r>
-            <a:r>
-              <a:rPr lang="en-US" b="1" dirty="0" err="1" smtClean="0"/>
-              <a:t>da</a:t>
-            </a:r>
-            <a:r>
-              <a:rPr lang="en-US" b="1" dirty="0" smtClean="0"/>
-              <a:t> </a:t>
-            </a:r>
-            <a:r>
-              <a:rPr lang="en-US" b="1" dirty="0" err="1" smtClean="0"/>
-              <a:t>Conta</a:t>
-            </a:r>
-            <a:endParaRPr lang="pt-BR" b="1" dirty="0"/>
-          </a:p>
-        </p:txBody>
-      </p:sp>
-      <p:sp>
-        <p:nvSpPr>
-          <p:cNvPr id="9" name="Retângulo 8"/>
-          <p:cNvSpPr/>
-          <p:nvPr/>
-        </p:nvSpPr>
-        <p:spPr>
-          <a:xfrm>
-            <a:off x="4932040" y="908720"/>
-            <a:ext cx="3780000" cy="360040"/>
+            <a:off x="5011936" y="836712"/>
+            <a:ext cx="3978000" cy="360040"/>
           </a:xfrm>
           <a:prstGeom prst="rect">
             <a:avLst/>
@@ -5613,13 +5503,13 @@
       </p:sp>
       <p:sp>
         <p:nvSpPr>
-          <p:cNvPr id="39" name="Retângulo de cantos arredondados 38"/>
+          <p:cNvPr id="12" name="Retângulo de cantos arredondados 11"/>
           <p:cNvSpPr/>
           <p:nvPr/>
         </p:nvSpPr>
         <p:spPr>
           <a:xfrm>
-            <a:off x="5940152" y="5877272"/>
+            <a:off x="6156176" y="6165304"/>
             <a:ext cx="1872208" cy="432048"/>
           </a:xfrm>
           <a:prstGeom prst="roundRect">
@@ -5654,316 +5544,9 @@
               <a:t> </a:t>
             </a:r>
             <a:r>
-              <a:rPr lang="en-US" dirty="0" err="1" smtClean="0"/>
-              <a:t>pessoa</a:t>
-            </a:r>
-            <a:endParaRPr lang="pt-BR" dirty="0"/>
-          </a:p>
-        </p:txBody>
-      </p:sp>
-      <p:sp>
-        <p:nvSpPr>
-          <p:cNvPr id="40" name="Espaço Reservado para Conteúdo 2"/>
-          <p:cNvSpPr>
-            <a:spLocks noGrp="1"/>
-          </p:cNvSpPr>
-          <p:nvPr>
-            <p:ph idx="1"/>
-          </p:nvPr>
-        </p:nvSpPr>
-        <p:spPr>
-          <a:xfrm>
-            <a:off x="179512" y="908720"/>
-            <a:ext cx="4608512" cy="5217443"/>
-          </a:xfrm>
-        </p:spPr>
-        <p:txBody>
-          <a:bodyPr>
-            <a:normAutofit fontScale="92500" lnSpcReduction="10000"/>
-          </a:bodyPr>
-          <a:lstStyle/>
-          <a:p>
-            <a:r>
-              <a:rPr lang="en-US" dirty="0" err="1" smtClean="0"/>
-              <a:t>Ainda</a:t>
-            </a:r>
-            <a:r>
-              <a:rPr lang="en-US" dirty="0" smtClean="0"/>
-              <a:t> </a:t>
-            </a:r>
-            <a:r>
-              <a:rPr lang="en-US" dirty="0" err="1" smtClean="0"/>
-              <a:t>falta</a:t>
-            </a:r>
-            <a:endParaRPr lang="en-US" dirty="0" smtClean="0"/>
-          </a:p>
-          <a:p>
-            <a:pPr lvl="1"/>
-            <a:r>
-              <a:rPr lang="en-US" dirty="0" err="1" smtClean="0"/>
-              <a:t>Fazer</a:t>
-            </a:r>
-            <a:r>
-              <a:rPr lang="en-US" dirty="0" smtClean="0"/>
-              <a:t> o dialog </a:t>
-            </a:r>
-            <a:r>
-              <a:rPr lang="en-US" dirty="0" err="1" smtClean="0"/>
-              <a:t>para</a:t>
-            </a:r>
-            <a:r>
-              <a:rPr lang="en-US" dirty="0" smtClean="0"/>
-              <a:t> </a:t>
-            </a:r>
-            <a:r>
-              <a:rPr lang="en-US" dirty="0" err="1" smtClean="0"/>
-              <a:t>adicionar</a:t>
-            </a:r>
-            <a:r>
-              <a:rPr lang="en-US" dirty="0" smtClean="0"/>
-              <a:t> </a:t>
-            </a:r>
-            <a:r>
-              <a:rPr lang="en-US" dirty="0" err="1" smtClean="0"/>
-              <a:t>alguém</a:t>
-            </a:r>
-            <a:r>
-              <a:rPr lang="en-US" dirty="0" smtClean="0"/>
-              <a:t> (</a:t>
-            </a:r>
-            <a:r>
-              <a:rPr lang="en-US" dirty="0" err="1" smtClean="0"/>
-              <a:t>só</a:t>
-            </a:r>
-            <a:r>
-              <a:rPr lang="en-US" dirty="0" smtClean="0"/>
-              <a:t> o </a:t>
-            </a:r>
-            <a:r>
-              <a:rPr lang="en-US" dirty="0" err="1" smtClean="0"/>
-              <a:t>nome</a:t>
-            </a:r>
-            <a:r>
-              <a:rPr lang="en-US" dirty="0" smtClean="0"/>
-              <a:t>)</a:t>
-            </a:r>
-          </a:p>
-          <a:p>
-            <a:pPr lvl="1"/>
-            <a:r>
-              <a:rPr lang="en-US" dirty="0" smtClean="0"/>
-              <a:t>Para </a:t>
-            </a:r>
-            <a:r>
-              <a:rPr lang="en-US" dirty="0" err="1" smtClean="0"/>
-              <a:t>cada</a:t>
-            </a:r>
-            <a:r>
-              <a:rPr lang="en-US" dirty="0" smtClean="0"/>
-              <a:t> </a:t>
-            </a:r>
-            <a:r>
-              <a:rPr lang="en-US" dirty="0" err="1" smtClean="0"/>
-              <a:t>pessoa</a:t>
-            </a:r>
-            <a:r>
-              <a:rPr lang="en-US" dirty="0" smtClean="0"/>
-              <a:t> </a:t>
-            </a:r>
-            <a:r>
-              <a:rPr lang="en-US" dirty="0" err="1" smtClean="0"/>
-              <a:t>colocar</a:t>
-            </a:r>
-            <a:r>
-              <a:rPr lang="en-US" dirty="0" smtClean="0"/>
-              <a:t> a </a:t>
-            </a:r>
-            <a:r>
-              <a:rPr lang="en-US" dirty="0" err="1" smtClean="0"/>
-              <a:t>lista</a:t>
-            </a:r>
-            <a:r>
-              <a:rPr lang="en-US" dirty="0" smtClean="0"/>
-              <a:t> de </a:t>
-            </a:r>
-            <a:r>
-              <a:rPr lang="en-US" dirty="0" err="1" smtClean="0"/>
-              <a:t>itens</a:t>
-            </a:r>
-            <a:r>
-              <a:rPr lang="en-US" dirty="0" smtClean="0"/>
-              <a:t> </a:t>
-            </a:r>
-            <a:r>
-              <a:rPr lang="en-US" dirty="0" err="1" smtClean="0"/>
-              <a:t>ao</a:t>
-            </a:r>
-            <a:r>
-              <a:rPr lang="en-US" dirty="0" smtClean="0"/>
-              <a:t> </a:t>
-            </a:r>
-            <a:r>
-              <a:rPr lang="en-US" dirty="0" err="1" smtClean="0"/>
-              <a:t>lado</a:t>
-            </a:r>
-            <a:r>
-              <a:rPr lang="en-US" dirty="0" smtClean="0"/>
-              <a:t> p </a:t>
-            </a:r>
-            <a:r>
-              <a:rPr lang="en-US" dirty="0" err="1" smtClean="0"/>
-              <a:t>marcar</a:t>
-            </a:r>
-            <a:r>
-              <a:rPr lang="en-US" dirty="0" smtClean="0"/>
-              <a:t> </a:t>
-            </a:r>
-            <a:r>
-              <a:rPr lang="en-US" dirty="0" err="1" smtClean="0"/>
-              <a:t>qual</a:t>
-            </a:r>
-            <a:r>
-              <a:rPr lang="en-US" dirty="0" smtClean="0"/>
-              <a:t> </a:t>
-            </a:r>
-            <a:r>
-              <a:rPr lang="en-US" dirty="0" err="1" smtClean="0"/>
-              <a:t>foi</a:t>
-            </a:r>
-            <a:r>
-              <a:rPr lang="en-US" dirty="0" smtClean="0"/>
-              <a:t> </a:t>
-            </a:r>
-            <a:r>
-              <a:rPr lang="en-US" dirty="0" err="1" smtClean="0"/>
-              <a:t>consumido</a:t>
-            </a:r>
-            <a:r>
-              <a:rPr lang="en-US" dirty="0" smtClean="0"/>
-              <a:t> </a:t>
-            </a:r>
-            <a:r>
-              <a:rPr lang="en-US" dirty="0" err="1" smtClean="0"/>
-              <a:t>por</a:t>
-            </a:r>
-            <a:r>
-              <a:rPr lang="en-US" dirty="0" smtClean="0"/>
-              <a:t> </a:t>
-            </a:r>
-            <a:r>
-              <a:rPr lang="en-US" dirty="0" err="1" smtClean="0"/>
-              <a:t>ela</a:t>
-            </a:r>
-            <a:endParaRPr lang="en-US" dirty="0" smtClean="0"/>
-          </a:p>
-          <a:p>
-            <a:pPr lvl="1"/>
-            <a:r>
-              <a:rPr lang="en-US" dirty="0" err="1" smtClean="0"/>
-              <a:t>Fazer</a:t>
-            </a:r>
-            <a:r>
-              <a:rPr lang="en-US" dirty="0" smtClean="0"/>
-              <a:t> slide </a:t>
-            </a:r>
-            <a:r>
-              <a:rPr lang="en-US" dirty="0" err="1" smtClean="0"/>
-              <a:t>mostrando</a:t>
-            </a:r>
-            <a:r>
-              <a:rPr lang="en-US" dirty="0" smtClean="0"/>
-              <a:t> </a:t>
-            </a:r>
-            <a:r>
-              <a:rPr lang="en-US" dirty="0" err="1" smtClean="0"/>
-              <a:t>que</a:t>
-            </a:r>
-            <a:r>
-              <a:rPr lang="en-US" dirty="0" smtClean="0"/>
-              <a:t> </a:t>
-            </a:r>
-            <a:r>
-              <a:rPr lang="en-US" dirty="0" err="1" smtClean="0"/>
-              <a:t>para</a:t>
-            </a:r>
-            <a:r>
-              <a:rPr lang="en-US" dirty="0" smtClean="0"/>
-              <a:t> </a:t>
-            </a:r>
-            <a:r>
-              <a:rPr lang="en-US" dirty="0" err="1" smtClean="0"/>
-              <a:t>apagar</a:t>
-            </a:r>
-            <a:r>
-              <a:rPr lang="en-US" dirty="0" smtClean="0"/>
-              <a:t> é </a:t>
-            </a:r>
-            <a:r>
-              <a:rPr lang="en-US" dirty="0" err="1" smtClean="0"/>
-              <a:t>só</a:t>
-            </a:r>
-            <a:r>
-              <a:rPr lang="en-US" dirty="0" smtClean="0"/>
-              <a:t> </a:t>
-            </a:r>
-            <a:r>
-              <a:rPr lang="en-US" dirty="0" err="1" smtClean="0"/>
-              <a:t>ficar</a:t>
-            </a:r>
-            <a:r>
-              <a:rPr lang="en-US" dirty="0" smtClean="0"/>
-              <a:t> </a:t>
-            </a:r>
-            <a:r>
-              <a:rPr lang="en-US" dirty="0" err="1" smtClean="0"/>
-              <a:t>pressionando</a:t>
-            </a:r>
-            <a:r>
-              <a:rPr lang="en-US" dirty="0" smtClean="0"/>
-              <a:t> no </a:t>
-            </a:r>
-            <a:r>
-              <a:rPr lang="en-US" dirty="0" err="1" smtClean="0"/>
-              <a:t>nome</a:t>
-            </a:r>
-            <a:r>
-              <a:rPr lang="en-US" dirty="0" smtClean="0"/>
-              <a:t> </a:t>
-            </a:r>
-            <a:r>
-              <a:rPr lang="en-US" dirty="0" err="1" smtClean="0"/>
-              <a:t>então</a:t>
-            </a:r>
-            <a:r>
-              <a:rPr lang="en-US" dirty="0" smtClean="0"/>
-              <a:t> </a:t>
-            </a:r>
-            <a:r>
-              <a:rPr lang="en-US" dirty="0" err="1" smtClean="0"/>
-              <a:t>aparece</a:t>
-            </a:r>
-            <a:r>
-              <a:rPr lang="en-US" dirty="0" smtClean="0"/>
-              <a:t> um </a:t>
-            </a:r>
-            <a:r>
-              <a:rPr lang="en-US" b="1" i="1" dirty="0" smtClean="0"/>
-              <a:t>alert</a:t>
-            </a:r>
-            <a:r>
-              <a:rPr lang="en-US" dirty="0" smtClean="0"/>
-              <a:t> de </a:t>
-            </a:r>
-            <a:r>
-              <a:rPr lang="en-US" dirty="0" err="1" smtClean="0"/>
-              <a:t>confirmação</a:t>
-            </a:r>
-            <a:endParaRPr lang="en-US" dirty="0" smtClean="0"/>
-          </a:p>
-          <a:p>
-            <a:pPr>
-              <a:buNone/>
-            </a:pPr>
+              <a:rPr lang="en-US" dirty="0" smtClean="0"/>
+              <a:t>Pessoa</a:t>
+            </a:r>
             <a:endParaRPr lang="pt-BR" dirty="0"/>
           </a:p>
         </p:txBody>
@@ -6030,177 +5613,135 @@
       </p:sp>
       <p:sp>
         <p:nvSpPr>
-          <p:cNvPr id="4" name="Retângulo de cantos arredondados 3"/>
-          <p:cNvSpPr/>
-          <p:nvPr/>
+          <p:cNvPr id="40" name="Espaço Reservado para Conteúdo 2"/>
+          <p:cNvSpPr>
+            <a:spLocks noGrp="1"/>
+          </p:cNvSpPr>
+          <p:nvPr>
+            <p:ph idx="1"/>
+          </p:nvPr>
         </p:nvSpPr>
         <p:spPr>
           <a:xfrm>
-            <a:off x="4932040" y="118300"/>
-            <a:ext cx="3780000" cy="6669360"/>
+            <a:off x="179512" y="908720"/>
+            <a:ext cx="4608512" cy="5217443"/>
           </a:xfrm>
-          <a:prstGeom prst="roundRect">
-            <a:avLst>
-              <a:gd name="adj" fmla="val 8535"/>
-            </a:avLst>
-          </a:prstGeom>
         </p:spPr>
-        <p:style>
-          <a:lnRef idx="2">
-            <a:schemeClr val="dk1">
-              <a:shade val="50000"/>
-            </a:schemeClr>
-          </a:lnRef>
-          <a:fillRef idx="1">
-            <a:schemeClr val="dk1"/>
-          </a:fillRef>
-          <a:effectRef idx="0">
-            <a:schemeClr val="dk1"/>
-          </a:effectRef>
-          <a:fontRef idx="minor">
-            <a:schemeClr val="lt1"/>
-          </a:fontRef>
-        </p:style>
-        <p:txBody>
-          <a:bodyPr rtlCol="0" anchor="ctr"/>
+        <p:txBody>
+          <a:bodyPr/>
           <a:lstStyle/>
           <a:p>
-            <a:pPr algn="ctr"/>
-            <a:endParaRPr lang="pt-BR"/>
-          </a:p>
-        </p:txBody>
-      </p:sp>
-      <p:sp>
-        <p:nvSpPr>
-          <p:cNvPr id="6" name="Retângulo 5"/>
-          <p:cNvSpPr/>
+            <a:r>
+              <a:rPr lang="en-US" dirty="0" err="1" smtClean="0"/>
+              <a:t>Ainda</a:t>
+            </a:r>
+            <a:r>
+              <a:rPr lang="en-US" dirty="0" smtClean="0"/>
+              <a:t> </a:t>
+            </a:r>
+            <a:r>
+              <a:rPr lang="en-US" dirty="0" err="1" smtClean="0"/>
+              <a:t>falta</a:t>
+            </a:r>
+            <a:endParaRPr lang="en-US" dirty="0" smtClean="0"/>
+          </a:p>
+          <a:p>
+            <a:pPr lvl="1"/>
+            <a:r>
+              <a:rPr lang="en-US" dirty="0" err="1" smtClean="0"/>
+              <a:t>Colocar</a:t>
+            </a:r>
+            <a:r>
+              <a:rPr lang="en-US" dirty="0" smtClean="0"/>
+              <a:t> a </a:t>
+            </a:r>
+            <a:r>
+              <a:rPr lang="en-US" dirty="0" err="1" smtClean="0"/>
+              <a:t>lista</a:t>
+            </a:r>
+            <a:r>
+              <a:rPr lang="en-US" dirty="0" smtClean="0"/>
+              <a:t> das </a:t>
+            </a:r>
+            <a:r>
+              <a:rPr lang="en-US" dirty="0" err="1" smtClean="0"/>
+              <a:t>pessoas</a:t>
+            </a:r>
+            <a:r>
+              <a:rPr lang="en-US" dirty="0" smtClean="0"/>
+              <a:t> e </a:t>
+            </a:r>
+            <a:r>
+              <a:rPr lang="en-US" dirty="0" err="1" smtClean="0"/>
+              <a:t>os</a:t>
+            </a:r>
+            <a:r>
+              <a:rPr lang="en-US" dirty="0" smtClean="0"/>
+              <a:t> </a:t>
+            </a:r>
+            <a:r>
+              <a:rPr lang="en-US" dirty="0" err="1" smtClean="0"/>
+              <a:t>totais</a:t>
+            </a:r>
+            <a:r>
+              <a:rPr lang="en-US" dirty="0" smtClean="0"/>
+              <a:t> com e </a:t>
+            </a:r>
+            <a:r>
+              <a:rPr lang="en-US" dirty="0" err="1" smtClean="0"/>
+              <a:t>sem</a:t>
+            </a:r>
+            <a:r>
+              <a:rPr lang="en-US" dirty="0" smtClean="0"/>
+              <a:t> 10%</a:t>
+            </a:r>
+          </a:p>
+          <a:p>
+            <a:pPr>
+              <a:buNone/>
+            </a:pPr>
+            <a:r>
+              <a:rPr lang="en-US" dirty="0" smtClean="0"/>
+              <a:t>	</a:t>
+            </a:r>
+            <a:endParaRPr lang="pt-BR" dirty="0"/>
+          </a:p>
+        </p:txBody>
+      </p:sp>
+      <p:pic>
+        <p:nvPicPr>
+          <p:cNvPr id="10" name="Imagem 9" descr="background.png"/>
+          <p:cNvPicPr>
+            <a:picLocks noChangeAspect="1"/>
+          </p:cNvPicPr>
           <p:nvPr/>
-        </p:nvSpPr>
+        </p:nvPicPr>
+        <p:blipFill>
+          <a:blip r:embed="rId2" cstate="print"/>
+          <a:stretch>
+            <a:fillRect/>
+          </a:stretch>
+        </p:blipFill>
         <p:spPr>
           <a:xfrm>
-            <a:off x="4932040" y="404664"/>
-            <a:ext cx="3780000" cy="6048672"/>
+            <a:off x="4930372" y="14820"/>
+            <a:ext cx="4140000" cy="6834906"/>
           </a:xfrm>
           <a:prstGeom prst="rect">
             <a:avLst/>
           </a:prstGeom>
-          <a:ln>
-            <a:noFill/>
-          </a:ln>
         </p:spPr>
-        <p:style>
-          <a:lnRef idx="2">
-            <a:schemeClr val="accent1">
-              <a:shade val="50000"/>
-            </a:schemeClr>
-          </a:lnRef>
-          <a:fillRef idx="1">
-            <a:schemeClr val="accent1"/>
-          </a:fillRef>
-          <a:effectRef idx="0">
-            <a:schemeClr val="accent1"/>
-          </a:effectRef>
-          <a:fontRef idx="minor">
-            <a:schemeClr val="lt1"/>
-          </a:fontRef>
-        </p:style>
-        <p:txBody>
-          <a:bodyPr rtlCol="0" anchor="ctr"/>
-          <a:lstStyle/>
-          <a:p>
-            <a:pPr algn="ctr"/>
-            <a:endParaRPr lang="pt-BR"/>
-          </a:p>
-        </p:txBody>
-      </p:sp>
-      <p:sp>
-        <p:nvSpPr>
-          <p:cNvPr id="5" name="Retângulo 4"/>
+      </p:pic>
+      <p:sp>
+        <p:nvSpPr>
+          <p:cNvPr id="11" name="Retângulo 10"/>
           <p:cNvSpPr/>
           <p:nvPr/>
         </p:nvSpPr>
         <p:spPr>
           <a:xfrm>
-            <a:off x="4932040" y="406332"/>
-            <a:ext cx="3780000" cy="360040"/>
-          </a:xfrm>
-          <a:prstGeom prst="rect">
-            <a:avLst/>
-          </a:prstGeom>
-          <a:solidFill>
-            <a:schemeClr val="tx2">
-              <a:lumMod val="50000"/>
-            </a:schemeClr>
-          </a:solidFill>
-          <a:ln>
-            <a:noFill/>
-          </a:ln>
-          <a:effectLst>
-            <a:outerShdw blurRad="50800" dist="76200" dir="2700000" algn="tl" rotWithShape="0">
-              <a:schemeClr val="bg1">
-                <a:alpha val="40000"/>
-              </a:schemeClr>
-            </a:outerShdw>
-          </a:effectLst>
-        </p:spPr>
-        <p:style>
-          <a:lnRef idx="2">
-            <a:schemeClr val="accent1">
-              <a:shade val="50000"/>
-            </a:schemeClr>
-          </a:lnRef>
-          <a:fillRef idx="1">
-            <a:schemeClr val="accent1"/>
-          </a:fillRef>
-          <a:effectRef idx="0">
-            <a:schemeClr val="accent1"/>
-          </a:effectRef>
-          <a:fontRef idx="minor">
-            <a:schemeClr val="lt1"/>
-          </a:fontRef>
-        </p:style>
-        <p:txBody>
-          <a:bodyPr rtlCol="0" anchor="ctr"/>
-          <a:lstStyle/>
-          <a:p>
-            <a:r>
-              <a:rPr lang="en-US" b="1" dirty="0" smtClean="0"/>
-              <a:t>Na </a:t>
-            </a:r>
-            <a:r>
-              <a:rPr lang="en-US" b="1" dirty="0" err="1" smtClean="0"/>
-              <a:t>Hora</a:t>
-            </a:r>
-            <a:r>
-              <a:rPr lang="en-US" b="1" dirty="0" smtClean="0"/>
-              <a:t> </a:t>
-            </a:r>
-            <a:r>
-              <a:rPr lang="en-US" b="1" dirty="0" err="1" smtClean="0"/>
-              <a:t>da</a:t>
-            </a:r>
-            <a:r>
-              <a:rPr lang="en-US" b="1" dirty="0" smtClean="0"/>
-              <a:t> </a:t>
-            </a:r>
-            <a:r>
-              <a:rPr lang="en-US" b="1" dirty="0" err="1" smtClean="0"/>
-              <a:t>Conta</a:t>
-            </a:r>
-            <a:endParaRPr lang="pt-BR" b="1" dirty="0"/>
-          </a:p>
-        </p:txBody>
-      </p:sp>
-      <p:sp>
-        <p:nvSpPr>
-          <p:cNvPr id="9" name="Retângulo 8"/>
-          <p:cNvSpPr/>
-          <p:nvPr/>
-        </p:nvSpPr>
-        <p:spPr>
-          <a:xfrm>
-            <a:off x="4932040" y="1124744"/>
-            <a:ext cx="3780000" cy="360040"/>
+            <a:off x="5011936" y="1052736"/>
+            <a:ext cx="3978000" cy="360040"/>
           </a:xfrm>
           <a:prstGeom prst="rect">
             <a:avLst/>
@@ -6254,111 +5795,14 @@
       </p:sp>
       <p:sp>
         <p:nvSpPr>
-          <p:cNvPr id="40" name="Espaço Reservado para Conteúdo 2"/>
-          <p:cNvSpPr>
-            <a:spLocks noGrp="1"/>
-          </p:cNvSpPr>
-          <p:nvPr>
-            <p:ph idx="1"/>
-          </p:nvPr>
+          <p:cNvPr id="12" name="Retângulo 11"/>
+          <p:cNvSpPr/>
+          <p:nvPr/>
         </p:nvSpPr>
         <p:spPr>
           <a:xfrm>
-            <a:off x="179512" y="908720"/>
-            <a:ext cx="4608512" cy="5217443"/>
-          </a:xfrm>
-        </p:spPr>
-        <p:txBody>
-          <a:bodyPr/>
-          <a:lstStyle/>
-          <a:p>
-            <a:r>
-              <a:rPr lang="en-US" dirty="0" err="1" smtClean="0"/>
-              <a:t>Ainda</a:t>
-            </a:r>
-            <a:r>
-              <a:rPr lang="en-US" dirty="0" smtClean="0"/>
-              <a:t> </a:t>
-            </a:r>
-            <a:r>
-              <a:rPr lang="en-US" dirty="0" err="1" smtClean="0"/>
-              <a:t>falta</a:t>
-            </a:r>
-            <a:endParaRPr lang="en-US" dirty="0" smtClean="0"/>
-          </a:p>
-          <a:p>
-            <a:pPr lvl="1"/>
-            <a:r>
-              <a:rPr lang="en-US" dirty="0" err="1" smtClean="0"/>
-              <a:t>Colocar</a:t>
-            </a:r>
-            <a:r>
-              <a:rPr lang="en-US" dirty="0" smtClean="0"/>
-              <a:t> a </a:t>
-            </a:r>
-            <a:r>
-              <a:rPr lang="en-US" dirty="0" err="1" smtClean="0"/>
-              <a:t>lista</a:t>
-            </a:r>
-            <a:r>
-              <a:rPr lang="en-US" dirty="0" smtClean="0"/>
-              <a:t> das </a:t>
-            </a:r>
-            <a:r>
-              <a:rPr lang="en-US" dirty="0" err="1" smtClean="0"/>
-              <a:t>pessoas</a:t>
-            </a:r>
-            <a:r>
-              <a:rPr lang="en-US" dirty="0" smtClean="0"/>
-              <a:t> e </a:t>
-            </a:r>
-            <a:r>
-              <a:rPr lang="en-US" dirty="0" err="1" smtClean="0"/>
-              <a:t>os</a:t>
-            </a:r>
-            <a:r>
-              <a:rPr lang="en-US" dirty="0" smtClean="0"/>
-              <a:t> </a:t>
-            </a:r>
-            <a:r>
-              <a:rPr lang="en-US" dirty="0" err="1" smtClean="0"/>
-              <a:t>totais</a:t>
-            </a:r>
-            <a:r>
-              <a:rPr lang="en-US" dirty="0" smtClean="0"/>
-              <a:t> com e </a:t>
-            </a:r>
-            <a:r>
-              <a:rPr lang="en-US" dirty="0" err="1" smtClean="0"/>
-              <a:t>sem</a:t>
-            </a:r>
-            <a:r>
-              <a:rPr lang="en-US" dirty="0" smtClean="0"/>
-              <a:t> 10%</a:t>
-            </a:r>
-          </a:p>
-          <a:p>
-            <a:pPr>
-              <a:buNone/>
-            </a:pPr>
-            <a:r>
-              <a:rPr lang="en-US" dirty="0" smtClean="0"/>
-              <a:t>	</a:t>
-            </a:r>
-            <a:endParaRPr lang="pt-BR" dirty="0"/>
-          </a:p>
-        </p:txBody>
-      </p:sp>
-      <p:sp>
-        <p:nvSpPr>
-          <p:cNvPr id="41" name="Retângulo 40"/>
-          <p:cNvSpPr/>
-          <p:nvPr/>
-        </p:nvSpPr>
-        <p:spPr>
-          <a:xfrm>
-            <a:off x="4932040" y="1772816"/>
-            <a:ext cx="3780000" cy="360040"/>
+            <a:off x="5011936" y="1700808"/>
+            <a:ext cx="3978000" cy="360040"/>
           </a:xfrm>
           <a:prstGeom prst="rect">
             <a:avLst/>
@@ -6412,14 +5856,14 @@
       </p:sp>
       <p:sp>
         <p:nvSpPr>
-          <p:cNvPr id="42" name="Retângulo 41"/>
+          <p:cNvPr id="13" name="Retângulo 12"/>
           <p:cNvSpPr/>
           <p:nvPr/>
         </p:nvSpPr>
         <p:spPr>
           <a:xfrm>
-            <a:off x="4932040" y="2420888"/>
-            <a:ext cx="3780000" cy="360040"/>
+            <a:off x="5011936" y="2348880"/>
+            <a:ext cx="3978000" cy="360040"/>
           </a:xfrm>
           <a:prstGeom prst="rect">
             <a:avLst/>

--- a/trunk/ButecoCalc/Calculadora de Buteco - V2.0.pptx
+++ b/trunk/ButecoCalc/Calculadora de Buteco - V2.0.pptx
@@ -3776,15 +3776,7 @@
             </a:r>
             <a:r>
               <a:rPr lang="en-US" dirty="0" err="1" smtClean="0"/>
-              <a:t>Tela</a:t>
-            </a:r>
-            <a:r>
-              <a:rPr lang="en-US" dirty="0" smtClean="0"/>
-              <a:t> </a:t>
-            </a:r>
-            <a:r>
-              <a:rPr lang="en-US" dirty="0" err="1" smtClean="0"/>
-              <a:t>Inicial</a:t>
+              <a:t>Itens</a:t>
             </a:r>
             <a:endParaRPr lang="pt-BR" dirty="0"/>
           </a:p>
@@ -3986,6 +3978,12 @@
           <a:prstGeom prst="rect">
             <a:avLst/>
           </a:prstGeom>
+          <a:ln>
+            <a:noFill/>
+          </a:ln>
+          <a:effectLst>
+            <a:softEdge rad="112500"/>
+          </a:effectLst>
         </p:spPr>
       </p:pic>
       <p:pic>
@@ -4010,6 +4008,12 @@
           <a:prstGeom prst="rect">
             <a:avLst/>
           </a:prstGeom>
+          <a:ln>
+            <a:noFill/>
+          </a:ln>
+          <a:effectLst>
+            <a:softEdge rad="112500"/>
+          </a:effectLst>
         </p:spPr>
       </p:pic>
       <p:pic>
@@ -4034,6 +4038,12 @@
           <a:prstGeom prst="rect">
             <a:avLst/>
           </a:prstGeom>
+          <a:ln>
+            <a:noFill/>
+          </a:ln>
+          <a:effectLst>
+            <a:softEdge rad="112500"/>
+          </a:effectLst>
         </p:spPr>
       </p:pic>
       <p:pic>
@@ -4058,6 +4068,12 @@
           <a:prstGeom prst="rect">
             <a:avLst/>
           </a:prstGeom>
+          <a:ln>
+            <a:noFill/>
+          </a:ln>
+          <a:effectLst>
+            <a:softEdge rad="112500"/>
+          </a:effectLst>
         </p:spPr>
       </p:pic>
       <p:pic>
@@ -4082,6 +4098,12 @@
           <a:prstGeom prst="rect">
             <a:avLst/>
           </a:prstGeom>
+          <a:ln>
+            <a:noFill/>
+          </a:ln>
+          <a:effectLst>
+            <a:softEdge rad="112500"/>
+          </a:effectLst>
         </p:spPr>
       </p:pic>
       <p:grpSp>
@@ -4812,8 +4834,8 @@
         </p:nvSpPr>
         <p:spPr>
           <a:xfrm>
-            <a:off x="6156176" y="6165304"/>
-            <a:ext cx="1872208" cy="432048"/>
+            <a:off x="7020272" y="6021288"/>
+            <a:ext cx="1872208" cy="576064"/>
           </a:xfrm>
           <a:prstGeom prst="roundRect">
             <a:avLst/>
@@ -5050,6 +5072,93 @@
           </a:p>
         </p:txBody>
       </p:sp>
+      <p:grpSp>
+        <p:nvGrpSpPr>
+          <p:cNvPr id="43" name="Grupo 7"/>
+          <p:cNvGrpSpPr/>
+          <p:nvPr/>
+        </p:nvGrpSpPr>
+        <p:grpSpPr>
+          <a:xfrm>
+            <a:off x="5508104" y="6021288"/>
+            <a:ext cx="548680" cy="548680"/>
+            <a:chOff x="3779912" y="1412776"/>
+            <a:chExt cx="2592288" cy="2592288"/>
+          </a:xfrm>
+        </p:grpSpPr>
+        <p:sp>
+          <p:nvSpPr>
+            <p:cNvPr id="44" name="Retângulo de cantos arredondados 43"/>
+            <p:cNvSpPr/>
+            <p:nvPr/>
+          </p:nvSpPr>
+          <p:spPr>
+            <a:xfrm>
+              <a:off x="3779912" y="1412776"/>
+              <a:ext cx="2592288" cy="2592288"/>
+            </a:xfrm>
+            <a:prstGeom prst="roundRect">
+              <a:avLst/>
+            </a:prstGeom>
+          </p:spPr>
+          <p:style>
+            <a:lnRef idx="1">
+              <a:schemeClr val="accent1"/>
+            </a:lnRef>
+            <a:fillRef idx="3">
+              <a:schemeClr val="accent1"/>
+            </a:fillRef>
+            <a:effectRef idx="2">
+              <a:schemeClr val="accent1"/>
+            </a:effectRef>
+            <a:fontRef idx="minor">
+              <a:schemeClr val="lt1"/>
+            </a:fontRef>
+          </p:style>
+          <p:txBody>
+            <a:bodyPr rtlCol="0" anchor="ctr"/>
+            <a:lstStyle/>
+            <a:p>
+              <a:pPr algn="ctr"/>
+              <a:endParaRPr lang="pt-BR"/>
+            </a:p>
+          </p:txBody>
+        </p:sp>
+        <p:pic>
+          <p:nvPicPr>
+            <p:cNvPr id="45" name="Imagem 44" descr="NHC_icon-white_512px.png"/>
+            <p:cNvPicPr>
+              <a:picLocks noChangeAspect="1"/>
+            </p:cNvPicPr>
+            <p:nvPr/>
+          </p:nvPicPr>
+          <p:blipFill>
+            <a:blip r:embed="rId9" cstate="print"/>
+            <a:stretch>
+              <a:fillRect/>
+            </a:stretch>
+          </p:blipFill>
+          <p:spPr>
+            <a:xfrm>
+              <a:off x="3851920" y="1484784"/>
+              <a:ext cx="2438400" cy="2438400"/>
+            </a:xfrm>
+            <a:prstGeom prst="rect">
+              <a:avLst/>
+            </a:prstGeom>
+            <a:ln>
+              <a:noFill/>
+            </a:ln>
+            <a:effectLst>
+              <a:outerShdw blurRad="190500" algn="tl" rotWithShape="0">
+                <a:srgbClr val="000000">
+                  <a:alpha val="70000"/>
+                </a:srgbClr>
+              </a:outerShdw>
+            </a:effectLst>
+          </p:spPr>
+        </p:pic>
+      </p:grpSp>
     </p:spTree>
   </p:cSld>
   <p:clrMapOvr>
@@ -5096,15 +5205,7 @@
             </a:r>
             <a:r>
               <a:rPr lang="en-US" dirty="0" err="1" smtClean="0"/>
-              <a:t>Tela</a:t>
-            </a:r>
-            <a:r>
-              <a:rPr lang="en-US" dirty="0" smtClean="0"/>
-              <a:t> </a:t>
-            </a:r>
-            <a:r>
-              <a:rPr lang="en-US" dirty="0" err="1" smtClean="0"/>
-              <a:t>Inicial</a:t>
+              <a:t>Pessoas</a:t>
             </a:r>
             <a:endParaRPr lang="pt-BR" dirty="0"/>
           </a:p>
@@ -5178,15 +5279,11 @@
             </a:r>
             <a:r>
               <a:rPr lang="en-US" dirty="0" smtClean="0"/>
-              <a:t> (</a:t>
-            </a:r>
-            <a:r>
-              <a:rPr lang="en-US" dirty="0" err="1" smtClean="0"/>
-              <a:t>só</a:t>
+              <a:t> </a:t>
             </a:r>
             <a:r>
               <a:rPr lang="en-US" dirty="0" smtClean="0"/>
-              <a:t> o </a:t>
+              <a:t>(</a:t>
             </a:r>
             <a:r>
               <a:rPr lang="en-US" dirty="0" err="1" smtClean="0"/>
@@ -5194,8 +5291,17 @@
             </a:r>
             <a:r>
               <a:rPr lang="en-US" dirty="0" smtClean="0"/>
+              <a:t> e </a:t>
+            </a:r>
+            <a:r>
+              <a:rPr lang="en-US" dirty="0" err="1" smtClean="0"/>
+              <a:t>figura</a:t>
+            </a:r>
+            <a:r>
+              <a:rPr lang="en-US" dirty="0" smtClean="0"/>
               <a:t>)</a:t>
             </a:r>
+            <a:endParaRPr lang="en-US" dirty="0" smtClean="0"/>
           </a:p>
           <a:p>
             <a:pPr lvl="1"/>
@@ -5509,8 +5615,8 @@
         </p:nvSpPr>
         <p:spPr>
           <a:xfrm>
-            <a:off x="6156176" y="6165304"/>
-            <a:ext cx="1872208" cy="432048"/>
+            <a:off x="7020272" y="6021288"/>
+            <a:ext cx="1872208" cy="576064"/>
           </a:xfrm>
           <a:prstGeom prst="roundRect">
             <a:avLst/>
@@ -5541,16 +5647,823 @@
             </a:r>
             <a:r>
               <a:rPr lang="en-US" dirty="0" smtClean="0"/>
-              <a:t> </a:t>
-            </a:r>
-            <a:r>
-              <a:rPr lang="en-US" dirty="0" smtClean="0"/>
-              <a:t>Pessoa</a:t>
+              <a:t> Pessoa</a:t>
             </a:r>
             <a:endParaRPr lang="pt-BR" dirty="0"/>
           </a:p>
         </p:txBody>
       </p:sp>
+      <p:grpSp>
+        <p:nvGrpSpPr>
+          <p:cNvPr id="7" name="Grupo 7"/>
+          <p:cNvGrpSpPr/>
+          <p:nvPr/>
+        </p:nvGrpSpPr>
+        <p:grpSpPr>
+          <a:xfrm>
+            <a:off x="5508104" y="6021288"/>
+            <a:ext cx="548680" cy="548680"/>
+            <a:chOff x="3779912" y="1412776"/>
+            <a:chExt cx="2592288" cy="2592288"/>
+          </a:xfrm>
+        </p:grpSpPr>
+        <p:sp>
+          <p:nvSpPr>
+            <p:cNvPr id="8" name="Retângulo de cantos arredondados 7"/>
+            <p:cNvSpPr/>
+            <p:nvPr/>
+          </p:nvSpPr>
+          <p:spPr>
+            <a:xfrm>
+              <a:off x="3779912" y="1412776"/>
+              <a:ext cx="2592288" cy="2592288"/>
+            </a:xfrm>
+            <a:prstGeom prst="roundRect">
+              <a:avLst/>
+            </a:prstGeom>
+          </p:spPr>
+          <p:style>
+            <a:lnRef idx="1">
+              <a:schemeClr val="accent1"/>
+            </a:lnRef>
+            <a:fillRef idx="3">
+              <a:schemeClr val="accent1"/>
+            </a:fillRef>
+            <a:effectRef idx="2">
+              <a:schemeClr val="accent1"/>
+            </a:effectRef>
+            <a:fontRef idx="minor">
+              <a:schemeClr val="lt1"/>
+            </a:fontRef>
+          </p:style>
+          <p:txBody>
+            <a:bodyPr rtlCol="0" anchor="ctr"/>
+            <a:lstStyle/>
+            <a:p>
+              <a:pPr algn="ctr"/>
+              <a:endParaRPr lang="pt-BR"/>
+            </a:p>
+          </p:txBody>
+        </p:sp>
+        <p:pic>
+          <p:nvPicPr>
+            <p:cNvPr id="9" name="Imagem 8" descr="NHC_icon-white_512px.png"/>
+            <p:cNvPicPr>
+              <a:picLocks noChangeAspect="1"/>
+            </p:cNvPicPr>
+            <p:nvPr/>
+          </p:nvPicPr>
+          <p:blipFill>
+            <a:blip r:embed="rId3" cstate="print"/>
+            <a:stretch>
+              <a:fillRect/>
+            </a:stretch>
+          </p:blipFill>
+          <p:spPr>
+            <a:xfrm>
+              <a:off x="3851920" y="1484784"/>
+              <a:ext cx="2438400" cy="2438400"/>
+            </a:xfrm>
+            <a:prstGeom prst="rect">
+              <a:avLst/>
+            </a:prstGeom>
+            <a:ln>
+              <a:noFill/>
+            </a:ln>
+            <a:effectLst>
+              <a:outerShdw blurRad="190500" algn="tl" rotWithShape="0">
+                <a:srgbClr val="000000">
+                  <a:alpha val="70000"/>
+                </a:srgbClr>
+              </a:outerShdw>
+            </a:effectLst>
+          </p:spPr>
+        </p:pic>
+      </p:grpSp>
+      <p:graphicFrame>
+        <p:nvGraphicFramePr>
+          <p:cNvPr id="14" name="Tabela 13"/>
+          <p:cNvGraphicFramePr>
+            <a:graphicFrameLocks noGrp="1"/>
+          </p:cNvGraphicFramePr>
+          <p:nvPr/>
+        </p:nvGraphicFramePr>
+        <p:xfrm>
+          <a:off x="5076056" y="1397000"/>
+          <a:ext cx="3888433" cy="2464050"/>
+        </p:xfrm>
+        <a:graphic>
+          <a:graphicData uri="http://schemas.openxmlformats.org/drawingml/2006/table">
+            <a:tbl>
+              <a:tblPr firstRow="1" bandRow="1">
+                <a:tableStyleId>{69CF1AB2-1976-4502-BF36-3FF5EA218861}</a:tableStyleId>
+              </a:tblPr>
+              <a:tblGrid>
+                <a:gridCol w="1152128"/>
+                <a:gridCol w="936104"/>
+                <a:gridCol w="1800201"/>
+              </a:tblGrid>
+              <a:tr h="492810">
+                <a:tc>
+                  <a:txBody>
+                    <a:bodyPr/>
+                    <a:lstStyle/>
+                    <a:p>
+                      <a:r>
+                        <a:rPr lang="en-US" sz="2000" b="1" dirty="0" err="1" smtClean="0"/>
+                        <a:t>Beto</a:t>
+                      </a:r>
+                      <a:endParaRPr lang="pt-BR" sz="2000" b="1" dirty="0"/>
+                    </a:p>
+                  </a:txBody>
+                  <a:tcPr anchor="ctr"/>
+                </a:tc>
+                <a:tc>
+                  <a:txBody>
+                    <a:bodyPr/>
+                    <a:lstStyle/>
+                    <a:p>
+                      <a:endParaRPr lang="pt-BR" sz="1400" b="1" dirty="0"/>
+                    </a:p>
+                  </a:txBody>
+                  <a:tcPr/>
+                </a:tc>
+                <a:tc>
+                  <a:txBody>
+                    <a:bodyPr/>
+                    <a:lstStyle/>
+                    <a:p>
+                      <a:endParaRPr lang="pt-BR" sz="1400" b="1" dirty="0"/>
+                    </a:p>
+                  </a:txBody>
+                  <a:tcPr/>
+                </a:tc>
+              </a:tr>
+              <a:tr h="492810">
+                <a:tc>
+                  <a:txBody>
+                    <a:bodyPr/>
+                    <a:lstStyle/>
+                    <a:p>
+                      <a:r>
+                        <a:rPr lang="en-US" sz="2000" b="1" dirty="0" smtClean="0"/>
+                        <a:t>Martha</a:t>
+                      </a:r>
+                      <a:endParaRPr lang="pt-BR" sz="2000" b="1" dirty="0"/>
+                    </a:p>
+                  </a:txBody>
+                  <a:tcPr anchor="ctr"/>
+                </a:tc>
+                <a:tc>
+                  <a:txBody>
+                    <a:bodyPr/>
+                    <a:lstStyle/>
+                    <a:p>
+                      <a:endParaRPr lang="pt-BR" sz="1400" b="1" dirty="0"/>
+                    </a:p>
+                  </a:txBody>
+                  <a:tcPr/>
+                </a:tc>
+                <a:tc>
+                  <a:txBody>
+                    <a:bodyPr/>
+                    <a:lstStyle/>
+                    <a:p>
+                      <a:endParaRPr lang="pt-BR" sz="1400" b="1" dirty="0"/>
+                    </a:p>
+                  </a:txBody>
+                  <a:tcPr/>
+                </a:tc>
+              </a:tr>
+              <a:tr h="492810">
+                <a:tc>
+                  <a:txBody>
+                    <a:bodyPr/>
+                    <a:lstStyle/>
+                    <a:p>
+                      <a:r>
+                        <a:rPr lang="en-US" sz="2000" b="1" dirty="0" err="1" smtClean="0"/>
+                        <a:t>Raoni</a:t>
+                      </a:r>
+                      <a:endParaRPr lang="pt-BR" sz="2000" b="1" dirty="0"/>
+                    </a:p>
+                  </a:txBody>
+                  <a:tcPr anchor="ctr"/>
+                </a:tc>
+                <a:tc>
+                  <a:txBody>
+                    <a:bodyPr/>
+                    <a:lstStyle/>
+                    <a:p>
+                      <a:endParaRPr lang="pt-BR" sz="1400" b="1" dirty="0"/>
+                    </a:p>
+                  </a:txBody>
+                  <a:tcPr/>
+                </a:tc>
+                <a:tc>
+                  <a:txBody>
+                    <a:bodyPr/>
+                    <a:lstStyle/>
+                    <a:p>
+                      <a:endParaRPr lang="pt-BR" sz="1400" b="1" dirty="0"/>
+                    </a:p>
+                  </a:txBody>
+                  <a:tcPr/>
+                </a:tc>
+              </a:tr>
+              <a:tr h="492810">
+                <a:tc>
+                  <a:txBody>
+                    <a:bodyPr/>
+                    <a:lstStyle/>
+                    <a:p>
+                      <a:r>
+                        <a:rPr lang="en-US" sz="2000" b="1" dirty="0" smtClean="0"/>
+                        <a:t>Marcelo</a:t>
+                      </a:r>
+                      <a:endParaRPr lang="pt-BR" sz="2000" b="1" dirty="0"/>
+                    </a:p>
+                  </a:txBody>
+                  <a:tcPr anchor="ctr"/>
+                </a:tc>
+                <a:tc>
+                  <a:txBody>
+                    <a:bodyPr/>
+                    <a:lstStyle/>
+                    <a:p>
+                      <a:endParaRPr lang="pt-BR" sz="1400" b="1" dirty="0"/>
+                    </a:p>
+                  </a:txBody>
+                  <a:tcPr/>
+                </a:tc>
+                <a:tc>
+                  <a:txBody>
+                    <a:bodyPr/>
+                    <a:lstStyle/>
+                    <a:p>
+                      <a:endParaRPr lang="pt-BR" sz="1400" b="1" dirty="0"/>
+                    </a:p>
+                  </a:txBody>
+                  <a:tcPr/>
+                </a:tc>
+              </a:tr>
+              <a:tr h="492810">
+                <a:tc>
+                  <a:txBody>
+                    <a:bodyPr/>
+                    <a:lstStyle/>
+                    <a:p>
+                      <a:r>
+                        <a:rPr lang="en-US" sz="2000" b="1" dirty="0" err="1" smtClean="0"/>
+                        <a:t>Caloã</a:t>
+                      </a:r>
+                      <a:endParaRPr lang="pt-BR" sz="2000" b="1" dirty="0"/>
+                    </a:p>
+                  </a:txBody>
+                  <a:tcPr anchor="ctr"/>
+                </a:tc>
+                <a:tc>
+                  <a:txBody>
+                    <a:bodyPr/>
+                    <a:lstStyle/>
+                    <a:p>
+                      <a:endParaRPr lang="pt-BR" sz="1400" b="1" dirty="0"/>
+                    </a:p>
+                  </a:txBody>
+                  <a:tcPr/>
+                </a:tc>
+                <a:tc>
+                  <a:txBody>
+                    <a:bodyPr/>
+                    <a:lstStyle/>
+                    <a:p>
+                      <a:endParaRPr lang="pt-BR" sz="1400" b="1" dirty="0"/>
+                    </a:p>
+                  </a:txBody>
+                  <a:tcPr/>
+                </a:tc>
+              </a:tr>
+            </a:tbl>
+          </a:graphicData>
+        </a:graphic>
+      </p:graphicFrame>
+      <p:sp>
+        <p:nvSpPr>
+          <p:cNvPr id="21" name="Retângulo de cantos arredondados 20"/>
+          <p:cNvSpPr/>
+          <p:nvPr/>
+        </p:nvSpPr>
+        <p:spPr>
+          <a:xfrm>
+            <a:off x="6311586" y="1503834"/>
+            <a:ext cx="792088" cy="288032"/>
+          </a:xfrm>
+          <a:prstGeom prst="roundRect">
+            <a:avLst/>
+          </a:prstGeom>
+          <a:ln>
+            <a:noFill/>
+          </a:ln>
+        </p:spPr>
+        <p:style>
+          <a:lnRef idx="1">
+            <a:schemeClr val="accent2"/>
+          </a:lnRef>
+          <a:fillRef idx="3">
+            <a:schemeClr val="accent2"/>
+          </a:fillRef>
+          <a:effectRef idx="2">
+            <a:schemeClr val="accent2"/>
+          </a:effectRef>
+          <a:fontRef idx="minor">
+            <a:schemeClr val="lt1"/>
+          </a:fontRef>
+        </p:style>
+        <p:txBody>
+          <a:bodyPr rtlCol="0" anchor="ctr"/>
+          <a:lstStyle/>
+          <a:p>
+            <a:pPr algn="ctr"/>
+            <a:r>
+              <a:rPr lang="en-US" sz="1600" dirty="0" smtClean="0"/>
+              <a:t>+Item</a:t>
+            </a:r>
+            <a:endParaRPr lang="pt-BR" sz="1600" dirty="0"/>
+          </a:p>
+        </p:txBody>
+      </p:sp>
+      <p:sp>
+        <p:nvSpPr>
+          <p:cNvPr id="22" name="Retângulo de cantos arredondados 21"/>
+          <p:cNvSpPr/>
+          <p:nvPr/>
+        </p:nvSpPr>
+        <p:spPr>
+          <a:xfrm>
+            <a:off x="6305889" y="1988840"/>
+            <a:ext cx="792088" cy="288032"/>
+          </a:xfrm>
+          <a:prstGeom prst="roundRect">
+            <a:avLst/>
+          </a:prstGeom>
+          <a:ln>
+            <a:noFill/>
+          </a:ln>
+        </p:spPr>
+        <p:style>
+          <a:lnRef idx="1">
+            <a:schemeClr val="accent2"/>
+          </a:lnRef>
+          <a:fillRef idx="3">
+            <a:schemeClr val="accent2"/>
+          </a:fillRef>
+          <a:effectRef idx="2">
+            <a:schemeClr val="accent2"/>
+          </a:effectRef>
+          <a:fontRef idx="minor">
+            <a:schemeClr val="lt1"/>
+          </a:fontRef>
+        </p:style>
+        <p:txBody>
+          <a:bodyPr rtlCol="0" anchor="ctr"/>
+          <a:lstStyle/>
+          <a:p>
+            <a:pPr algn="ctr"/>
+            <a:r>
+              <a:rPr lang="en-US" sz="1600" dirty="0" smtClean="0"/>
+              <a:t>+Item</a:t>
+            </a:r>
+            <a:endParaRPr lang="pt-BR" sz="1600" dirty="0"/>
+          </a:p>
+        </p:txBody>
+      </p:sp>
+      <p:sp>
+        <p:nvSpPr>
+          <p:cNvPr id="23" name="Retângulo de cantos arredondados 22"/>
+          <p:cNvSpPr/>
+          <p:nvPr/>
+        </p:nvSpPr>
+        <p:spPr>
+          <a:xfrm>
+            <a:off x="6300192" y="2492896"/>
+            <a:ext cx="792088" cy="288032"/>
+          </a:xfrm>
+          <a:prstGeom prst="roundRect">
+            <a:avLst/>
+          </a:prstGeom>
+          <a:ln>
+            <a:noFill/>
+          </a:ln>
+        </p:spPr>
+        <p:style>
+          <a:lnRef idx="1">
+            <a:schemeClr val="accent2"/>
+          </a:lnRef>
+          <a:fillRef idx="3">
+            <a:schemeClr val="accent2"/>
+          </a:fillRef>
+          <a:effectRef idx="2">
+            <a:schemeClr val="accent2"/>
+          </a:effectRef>
+          <a:fontRef idx="minor">
+            <a:schemeClr val="lt1"/>
+          </a:fontRef>
+        </p:style>
+        <p:txBody>
+          <a:bodyPr rtlCol="0" anchor="ctr"/>
+          <a:lstStyle/>
+          <a:p>
+            <a:pPr algn="ctr"/>
+            <a:r>
+              <a:rPr lang="en-US" sz="1600" dirty="0" smtClean="0"/>
+              <a:t>+Item</a:t>
+            </a:r>
+            <a:endParaRPr lang="pt-BR" sz="1600" dirty="0"/>
+          </a:p>
+        </p:txBody>
+      </p:sp>
+      <p:sp>
+        <p:nvSpPr>
+          <p:cNvPr id="24" name="Retângulo de cantos arredondados 23"/>
+          <p:cNvSpPr/>
+          <p:nvPr/>
+        </p:nvSpPr>
+        <p:spPr>
+          <a:xfrm>
+            <a:off x="6300192" y="2987427"/>
+            <a:ext cx="792088" cy="288032"/>
+          </a:xfrm>
+          <a:prstGeom prst="roundRect">
+            <a:avLst/>
+          </a:prstGeom>
+          <a:ln>
+            <a:noFill/>
+          </a:ln>
+        </p:spPr>
+        <p:style>
+          <a:lnRef idx="1">
+            <a:schemeClr val="accent2"/>
+          </a:lnRef>
+          <a:fillRef idx="3">
+            <a:schemeClr val="accent2"/>
+          </a:fillRef>
+          <a:effectRef idx="2">
+            <a:schemeClr val="accent2"/>
+          </a:effectRef>
+          <a:fontRef idx="minor">
+            <a:schemeClr val="lt1"/>
+          </a:fontRef>
+        </p:style>
+        <p:txBody>
+          <a:bodyPr rtlCol="0" anchor="ctr"/>
+          <a:lstStyle/>
+          <a:p>
+            <a:pPr algn="ctr"/>
+            <a:r>
+              <a:rPr lang="en-US" sz="1600" dirty="0" smtClean="0"/>
+              <a:t>+Item</a:t>
+            </a:r>
+            <a:endParaRPr lang="pt-BR" sz="1600" dirty="0"/>
+          </a:p>
+        </p:txBody>
+      </p:sp>
+      <p:sp>
+        <p:nvSpPr>
+          <p:cNvPr id="25" name="Retângulo de cantos arredondados 24"/>
+          <p:cNvSpPr/>
+          <p:nvPr/>
+        </p:nvSpPr>
+        <p:spPr>
+          <a:xfrm>
+            <a:off x="6300192" y="3501008"/>
+            <a:ext cx="792088" cy="288032"/>
+          </a:xfrm>
+          <a:prstGeom prst="roundRect">
+            <a:avLst/>
+          </a:prstGeom>
+          <a:ln>
+            <a:noFill/>
+          </a:ln>
+        </p:spPr>
+        <p:style>
+          <a:lnRef idx="1">
+            <a:schemeClr val="accent2"/>
+          </a:lnRef>
+          <a:fillRef idx="3">
+            <a:schemeClr val="accent2"/>
+          </a:fillRef>
+          <a:effectRef idx="2">
+            <a:schemeClr val="accent2"/>
+          </a:effectRef>
+          <a:fontRef idx="minor">
+            <a:schemeClr val="lt1"/>
+          </a:fontRef>
+        </p:style>
+        <p:txBody>
+          <a:bodyPr rtlCol="0" anchor="ctr"/>
+          <a:lstStyle/>
+          <a:p>
+            <a:pPr algn="ctr"/>
+            <a:r>
+              <a:rPr lang="en-US" sz="1600" dirty="0" smtClean="0"/>
+              <a:t>+Item</a:t>
+            </a:r>
+            <a:endParaRPr lang="pt-BR" sz="1600" dirty="0"/>
+          </a:p>
+        </p:txBody>
+      </p:sp>
+      <p:pic>
+        <p:nvPicPr>
+          <p:cNvPr id="26" name="Imagem 25" descr="agua.jpg"/>
+          <p:cNvPicPr>
+            <a:picLocks noChangeAspect="1"/>
+          </p:cNvPicPr>
+          <p:nvPr/>
+        </p:nvPicPr>
+        <p:blipFill>
+          <a:blip r:embed="rId4" cstate="print"/>
+          <a:srcRect l="10451" r="8550"/>
+          <a:stretch>
+            <a:fillRect/>
+          </a:stretch>
+        </p:blipFill>
+        <p:spPr>
+          <a:xfrm>
+            <a:off x="7308304" y="1916832"/>
+            <a:ext cx="360040" cy="469081"/>
+          </a:xfrm>
+          <a:prstGeom prst="rect">
+            <a:avLst/>
+          </a:prstGeom>
+        </p:spPr>
+      </p:pic>
+      <p:pic>
+        <p:nvPicPr>
+          <p:cNvPr id="27" name="Imagem 26" descr="caipirinha.jpg"/>
+          <p:cNvPicPr>
+            <a:picLocks noChangeAspect="1"/>
+          </p:cNvPicPr>
+          <p:nvPr/>
+        </p:nvPicPr>
+        <p:blipFill>
+          <a:blip r:embed="rId5" cstate="print"/>
+          <a:stretch>
+            <a:fillRect/>
+          </a:stretch>
+        </p:blipFill>
+        <p:spPr>
+          <a:xfrm>
+            <a:off x="7283921" y="2905894"/>
+            <a:ext cx="432048" cy="432048"/>
+          </a:xfrm>
+          <a:prstGeom prst="rect">
+            <a:avLst/>
+          </a:prstGeom>
+        </p:spPr>
+      </p:pic>
+      <p:pic>
+        <p:nvPicPr>
+          <p:cNvPr id="28" name="Imagem 27" descr="cerveja.jpg"/>
+          <p:cNvPicPr>
+            <a:picLocks noChangeAspect="1"/>
+          </p:cNvPicPr>
+          <p:nvPr/>
+        </p:nvPicPr>
+        <p:blipFill>
+          <a:blip r:embed="rId6" cstate="print"/>
+          <a:srcRect l="11905" r="16663"/>
+          <a:stretch>
+            <a:fillRect/>
+          </a:stretch>
+        </p:blipFill>
+        <p:spPr>
+          <a:xfrm>
+            <a:off x="7308304" y="2420888"/>
+            <a:ext cx="360040" cy="394891"/>
+          </a:xfrm>
+          <a:prstGeom prst="rect">
+            <a:avLst/>
+          </a:prstGeom>
+        </p:spPr>
+      </p:pic>
+      <p:pic>
+        <p:nvPicPr>
+          <p:cNvPr id="29" name="Imagem 28" descr="churrasco.jpg"/>
+          <p:cNvPicPr>
+            <a:picLocks noChangeAspect="1"/>
+          </p:cNvPicPr>
+          <p:nvPr/>
+        </p:nvPicPr>
+        <p:blipFill>
+          <a:blip r:embed="rId7" cstate="print"/>
+          <a:stretch>
+            <a:fillRect/>
+          </a:stretch>
+        </p:blipFill>
+        <p:spPr>
+          <a:xfrm>
+            <a:off x="7812360" y="2420889"/>
+            <a:ext cx="468000" cy="366661"/>
+          </a:xfrm>
+          <a:prstGeom prst="rect">
+            <a:avLst/>
+          </a:prstGeom>
+        </p:spPr>
+      </p:pic>
+      <p:pic>
+        <p:nvPicPr>
+          <p:cNvPr id="30" name="Imagem 29" descr="sanduiche.png"/>
+          <p:cNvPicPr>
+            <a:picLocks noChangeAspect="1"/>
+          </p:cNvPicPr>
+          <p:nvPr/>
+        </p:nvPicPr>
+        <p:blipFill>
+          <a:blip r:embed="rId8" cstate="print"/>
+          <a:stretch>
+            <a:fillRect/>
+          </a:stretch>
+        </p:blipFill>
+        <p:spPr>
+          <a:xfrm>
+            <a:off x="7308304" y="1412776"/>
+            <a:ext cx="489645" cy="455709"/>
+          </a:xfrm>
+          <a:prstGeom prst="rect">
+            <a:avLst/>
+          </a:prstGeom>
+        </p:spPr>
+      </p:pic>
+      <p:pic>
+        <p:nvPicPr>
+          <p:cNvPr id="31" name="Imagem 30" descr="suco.jpg"/>
+          <p:cNvPicPr>
+            <a:picLocks noChangeAspect="1"/>
+          </p:cNvPicPr>
+          <p:nvPr/>
+        </p:nvPicPr>
+        <p:blipFill>
+          <a:blip r:embed="rId9" cstate="print"/>
+          <a:srcRect l="6545" t="6936" r="31274" b="13304"/>
+          <a:stretch>
+            <a:fillRect/>
+          </a:stretch>
+        </p:blipFill>
+        <p:spPr>
+          <a:xfrm>
+            <a:off x="7884368" y="1412776"/>
+            <a:ext cx="360040" cy="435838"/>
+          </a:xfrm>
+          <a:prstGeom prst="rect">
+            <a:avLst/>
+          </a:prstGeom>
+        </p:spPr>
+      </p:pic>
+      <p:pic>
+        <p:nvPicPr>
+          <p:cNvPr id="32" name="Imagem 31" descr="caipirinha.jpg"/>
+          <p:cNvPicPr>
+            <a:picLocks noChangeAspect="1"/>
+          </p:cNvPicPr>
+          <p:nvPr/>
+        </p:nvPicPr>
+        <p:blipFill>
+          <a:blip r:embed="rId5" cstate="print"/>
+          <a:stretch>
+            <a:fillRect/>
+          </a:stretch>
+        </p:blipFill>
+        <p:spPr>
+          <a:xfrm>
+            <a:off x="7812360" y="1916832"/>
+            <a:ext cx="432048" cy="432048"/>
+          </a:xfrm>
+          <a:prstGeom prst="rect">
+            <a:avLst/>
+          </a:prstGeom>
+        </p:spPr>
+      </p:pic>
+      <p:pic>
+        <p:nvPicPr>
+          <p:cNvPr id="33" name="Imagem 32" descr="churrasco.jpg"/>
+          <p:cNvPicPr>
+            <a:picLocks noChangeAspect="1"/>
+          </p:cNvPicPr>
+          <p:nvPr/>
+        </p:nvPicPr>
+        <p:blipFill>
+          <a:blip r:embed="rId7" cstate="print"/>
+          <a:stretch>
+            <a:fillRect/>
+          </a:stretch>
+        </p:blipFill>
+        <p:spPr>
+          <a:xfrm>
+            <a:off x="7812360" y="2952230"/>
+            <a:ext cx="468000" cy="366662"/>
+          </a:xfrm>
+          <a:prstGeom prst="rect">
+            <a:avLst/>
+          </a:prstGeom>
+        </p:spPr>
+      </p:pic>
+      <p:pic>
+        <p:nvPicPr>
+          <p:cNvPr id="34" name="Imagem 33" descr="churrasco.jpg"/>
+          <p:cNvPicPr>
+            <a:picLocks noChangeAspect="1"/>
+          </p:cNvPicPr>
+          <p:nvPr/>
+        </p:nvPicPr>
+        <p:blipFill>
+          <a:blip r:embed="rId7" cstate="print"/>
+          <a:stretch>
+            <a:fillRect/>
+          </a:stretch>
+        </p:blipFill>
+        <p:spPr>
+          <a:xfrm>
+            <a:off x="7308304" y="3429000"/>
+            <a:ext cx="468000" cy="366662"/>
+          </a:xfrm>
+          <a:prstGeom prst="rect">
+            <a:avLst/>
+          </a:prstGeom>
+        </p:spPr>
+      </p:pic>
+      <p:pic>
+        <p:nvPicPr>
+          <p:cNvPr id="35" name="Imagem 34" descr="churrasco.jpg"/>
+          <p:cNvPicPr>
+            <a:picLocks noChangeAspect="1"/>
+          </p:cNvPicPr>
+          <p:nvPr/>
+        </p:nvPicPr>
+        <p:blipFill>
+          <a:blip r:embed="rId7" cstate="print"/>
+          <a:stretch>
+            <a:fillRect/>
+          </a:stretch>
+        </p:blipFill>
+        <p:spPr>
+          <a:xfrm>
+            <a:off x="8316416" y="1953643"/>
+            <a:ext cx="468000" cy="366662"/>
+          </a:xfrm>
+          <a:prstGeom prst="rect">
+            <a:avLst/>
+          </a:prstGeom>
+        </p:spPr>
+      </p:pic>
+      <p:pic>
+        <p:nvPicPr>
+          <p:cNvPr id="36" name="Imagem 35" descr="churrasco.jpg"/>
+          <p:cNvPicPr>
+            <a:picLocks noChangeAspect="1"/>
+          </p:cNvPicPr>
+          <p:nvPr/>
+        </p:nvPicPr>
+        <p:blipFill>
+          <a:blip r:embed="rId7" cstate="print"/>
+          <a:stretch>
+            <a:fillRect/>
+          </a:stretch>
+        </p:blipFill>
+        <p:spPr>
+          <a:xfrm>
+            <a:off x="8316416" y="1460401"/>
+            <a:ext cx="468000" cy="366662"/>
+          </a:xfrm>
+          <a:prstGeom prst="rect">
+            <a:avLst/>
+          </a:prstGeom>
+        </p:spPr>
+      </p:pic>
+      <p:pic>
+        <p:nvPicPr>
+          <p:cNvPr id="37" name="Imagem 36" descr="cerveja.jpg"/>
+          <p:cNvPicPr>
+            <a:picLocks noChangeAspect="1"/>
+          </p:cNvPicPr>
+          <p:nvPr/>
+        </p:nvPicPr>
+        <p:blipFill>
+          <a:blip r:embed="rId6" cstate="print"/>
+          <a:srcRect l="11905" r="16663"/>
+          <a:stretch>
+            <a:fillRect/>
+          </a:stretch>
+        </p:blipFill>
+        <p:spPr>
+          <a:xfrm>
+            <a:off x="7836743" y="3419475"/>
+            <a:ext cx="360040" cy="394891"/>
+          </a:xfrm>
+          <a:prstGeom prst="rect">
+            <a:avLst/>
+          </a:prstGeom>
+        </p:spPr>
+      </p:pic>
     </p:spTree>
   </p:cSld>
   <p:clrMapOvr>
@@ -5593,19 +6506,15 @@
           <a:p>
             <a:r>
               <a:rPr lang="en-US" dirty="0" smtClean="0"/>
-              <a:t>NHC – </a:t>
-            </a:r>
-            <a:r>
-              <a:rPr lang="en-US" dirty="0" err="1" smtClean="0"/>
-              <a:t>Tela</a:t>
-            </a:r>
-            <a:r>
-              <a:rPr lang="en-US" dirty="0" smtClean="0"/>
-              <a:t> </a:t>
-            </a:r>
-            <a:r>
-              <a:rPr lang="en-US" dirty="0" err="1" smtClean="0"/>
-              <a:t>Inicial</a:t>
+              <a:t>NHC </a:t>
+            </a:r>
+            <a:r>
+              <a:rPr lang="en-US" smtClean="0"/>
+              <a:t>– </a:t>
+            </a:r>
+            <a:r>
+              <a:rPr lang="en-US" smtClean="0"/>
+              <a:t>Total</a:t>
             </a:r>
             <a:endParaRPr lang="pt-BR" dirty="0"/>
           </a:p>
@@ -5734,13 +6643,13 @@
       </p:pic>
       <p:sp>
         <p:nvSpPr>
-          <p:cNvPr id="11" name="Retângulo 10"/>
+          <p:cNvPr id="13" name="Retângulo 12"/>
           <p:cNvSpPr/>
           <p:nvPr/>
         </p:nvSpPr>
         <p:spPr>
           <a:xfrm>
-            <a:off x="5011936" y="1052736"/>
+            <a:off x="5011936" y="836712"/>
             <a:ext cx="3978000" cy="360040"/>
           </a:xfrm>
           <a:prstGeom prst="rect">
@@ -5776,129 +6685,6 @@
           <a:bodyPr rtlCol="0" anchor="ctr"/>
           <a:lstStyle/>
           <a:p>
-            <a:pPr algn="ctr"/>
-            <a:r>
-              <a:rPr lang="en-US" b="1" dirty="0" err="1" smtClean="0">
-                <a:solidFill>
-                  <a:schemeClr val="tx1"/>
-                </a:solidFill>
-              </a:rPr>
-              <a:t>Itens</a:t>
-            </a:r>
-            <a:endParaRPr lang="pt-BR" b="1" dirty="0">
-              <a:solidFill>
-                <a:schemeClr val="tx1"/>
-              </a:solidFill>
-            </a:endParaRPr>
-          </a:p>
-        </p:txBody>
-      </p:sp>
-      <p:sp>
-        <p:nvSpPr>
-          <p:cNvPr id="12" name="Retângulo 11"/>
-          <p:cNvSpPr/>
-          <p:nvPr/>
-        </p:nvSpPr>
-        <p:spPr>
-          <a:xfrm>
-            <a:off x="5011936" y="1700808"/>
-            <a:ext cx="3978000" cy="360040"/>
-          </a:xfrm>
-          <a:prstGeom prst="rect">
-            <a:avLst/>
-          </a:prstGeom>
-          <a:solidFill>
-            <a:schemeClr val="tx2">
-              <a:lumMod val="40000"/>
-              <a:lumOff val="60000"/>
-            </a:schemeClr>
-          </a:solidFill>
-          <a:ln>
-            <a:noFill/>
-          </a:ln>
-        </p:spPr>
-        <p:style>
-          <a:lnRef idx="2">
-            <a:schemeClr val="accent1">
-              <a:shade val="50000"/>
-            </a:schemeClr>
-          </a:lnRef>
-          <a:fillRef idx="1">
-            <a:schemeClr val="accent1"/>
-          </a:fillRef>
-          <a:effectRef idx="0">
-            <a:schemeClr val="accent1"/>
-          </a:effectRef>
-          <a:fontRef idx="minor">
-            <a:schemeClr val="lt1"/>
-          </a:fontRef>
-        </p:style>
-        <p:txBody>
-          <a:bodyPr rtlCol="0" anchor="ctr"/>
-          <a:lstStyle/>
-          <a:p>
-            <a:pPr algn="ctr"/>
-            <a:r>
-              <a:rPr lang="en-US" b="1" dirty="0" err="1" smtClean="0">
-                <a:solidFill>
-                  <a:schemeClr val="tx1"/>
-                </a:solidFill>
-              </a:rPr>
-              <a:t>Pessoas</a:t>
-            </a:r>
-            <a:endParaRPr lang="pt-BR" b="1" dirty="0">
-              <a:solidFill>
-                <a:schemeClr val="tx1"/>
-              </a:solidFill>
-            </a:endParaRPr>
-          </a:p>
-        </p:txBody>
-      </p:sp>
-      <p:sp>
-        <p:nvSpPr>
-          <p:cNvPr id="13" name="Retângulo 12"/>
-          <p:cNvSpPr/>
-          <p:nvPr/>
-        </p:nvSpPr>
-        <p:spPr>
-          <a:xfrm>
-            <a:off x="5011936" y="2348880"/>
-            <a:ext cx="3978000" cy="360040"/>
-          </a:xfrm>
-          <a:prstGeom prst="rect">
-            <a:avLst/>
-          </a:prstGeom>
-          <a:solidFill>
-            <a:schemeClr val="tx2">
-              <a:lumMod val="40000"/>
-              <a:lumOff val="60000"/>
-            </a:schemeClr>
-          </a:solidFill>
-          <a:ln>
-            <a:noFill/>
-          </a:ln>
-        </p:spPr>
-        <p:style>
-          <a:lnRef idx="2">
-            <a:schemeClr val="accent1">
-              <a:shade val="50000"/>
-            </a:schemeClr>
-          </a:lnRef>
-          <a:fillRef idx="1">
-            <a:schemeClr val="accent1"/>
-          </a:fillRef>
-          <a:effectRef idx="0">
-            <a:schemeClr val="accent1"/>
-          </a:effectRef>
-          <a:fontRef idx="minor">
-            <a:schemeClr val="lt1"/>
-          </a:fontRef>
-        </p:style>
-        <p:txBody>
-          <a:bodyPr rtlCol="0" anchor="ctr"/>
-          <a:lstStyle/>
-          <a:p>
-            <a:pPr algn="ctr"/>
             <a:r>
               <a:rPr lang="en-US" b="1" dirty="0" smtClean="0">
                 <a:solidFill>
@@ -5915,6 +6701,364 @@
           </a:p>
         </p:txBody>
       </p:sp>
+      <p:graphicFrame>
+        <p:nvGraphicFramePr>
+          <p:cNvPr id="8" name="Tabela 7"/>
+          <p:cNvGraphicFramePr>
+            <a:graphicFrameLocks noGrp="1"/>
+          </p:cNvGraphicFramePr>
+          <p:nvPr/>
+        </p:nvGraphicFramePr>
+        <p:xfrm>
+          <a:off x="5076056" y="1397000"/>
+          <a:ext cx="3888433" cy="2982210"/>
+        </p:xfrm>
+        <a:graphic>
+          <a:graphicData uri="http://schemas.openxmlformats.org/drawingml/2006/table">
+            <a:tbl>
+              <a:tblPr firstRow="1" bandRow="1">
+                <a:tableStyleId>{5C22544A-7EE6-4342-B048-85BDC9FD1C3A}</a:tableStyleId>
+              </a:tblPr>
+              <a:tblGrid>
+                <a:gridCol w="1440160"/>
+                <a:gridCol w="1152128"/>
+                <a:gridCol w="1296145"/>
+              </a:tblGrid>
+              <a:tr h="492810">
+                <a:tc>
+                  <a:txBody>
+                    <a:bodyPr/>
+                    <a:lstStyle/>
+                    <a:p>
+                      <a:endParaRPr lang="pt-BR" sz="2000" b="1" dirty="0"/>
+                    </a:p>
+                  </a:txBody>
+                  <a:tcPr anchor="ctr"/>
+                </a:tc>
+                <a:tc>
+                  <a:txBody>
+                    <a:bodyPr/>
+                    <a:lstStyle/>
+                    <a:p>
+                      <a:r>
+                        <a:rPr lang="en-US" sz="1400" b="1" i="1" dirty="0" smtClean="0"/>
+                        <a:t>Total Individual</a:t>
+                      </a:r>
+                      <a:endParaRPr lang="pt-BR" sz="1400" b="1" dirty="0"/>
+                    </a:p>
+                  </a:txBody>
+                  <a:tcPr/>
+                </a:tc>
+                <a:tc>
+                  <a:txBody>
+                    <a:bodyPr/>
+                    <a:lstStyle/>
+                    <a:p>
+                      <a:r>
+                        <a:rPr lang="en-US" sz="1400" b="1" i="1" dirty="0" smtClean="0"/>
+                        <a:t>+</a:t>
+                      </a:r>
+                      <a:r>
+                        <a:rPr lang="en-US" sz="1400" b="1" dirty="0" smtClean="0"/>
+                        <a:t> 10%</a:t>
+                      </a:r>
+                      <a:endParaRPr lang="pt-BR" sz="1400" b="1" dirty="0"/>
+                    </a:p>
+                  </a:txBody>
+                  <a:tcPr/>
+                </a:tc>
+              </a:tr>
+              <a:tr h="492810">
+                <a:tc>
+                  <a:txBody>
+                    <a:bodyPr/>
+                    <a:lstStyle/>
+                    <a:p>
+                      <a:r>
+                        <a:rPr lang="en-US" sz="2000" b="1" dirty="0" err="1" smtClean="0">
+                          <a:effectLst/>
+                        </a:rPr>
+                        <a:t>Beto</a:t>
+                      </a:r>
+                      <a:endParaRPr lang="pt-BR" sz="2000" b="1" dirty="0">
+                        <a:effectLst/>
+                      </a:endParaRPr>
+                    </a:p>
+                  </a:txBody>
+                  <a:tcPr anchor="ctr"/>
+                </a:tc>
+                <a:tc>
+                  <a:txBody>
+                    <a:bodyPr/>
+                    <a:lstStyle/>
+                    <a:p>
+                      <a:endParaRPr lang="pt-BR" sz="1400" b="1" dirty="0"/>
+                    </a:p>
+                  </a:txBody>
+                  <a:tcPr/>
+                </a:tc>
+                <a:tc>
+                  <a:txBody>
+                    <a:bodyPr/>
+                    <a:lstStyle/>
+                    <a:p>
+                      <a:endParaRPr lang="pt-BR" sz="1400" b="1" dirty="0"/>
+                    </a:p>
+                  </a:txBody>
+                  <a:tcPr/>
+                </a:tc>
+              </a:tr>
+              <a:tr h="492810">
+                <a:tc>
+                  <a:txBody>
+                    <a:bodyPr/>
+                    <a:lstStyle/>
+                    <a:p>
+                      <a:r>
+                        <a:rPr lang="en-US" sz="2000" b="1" dirty="0" smtClean="0">
+                          <a:effectLst/>
+                        </a:rPr>
+                        <a:t>Martha</a:t>
+                      </a:r>
+                      <a:endParaRPr lang="pt-BR" sz="2000" b="1" dirty="0">
+                        <a:effectLst/>
+                      </a:endParaRPr>
+                    </a:p>
+                  </a:txBody>
+                  <a:tcPr anchor="ctr"/>
+                </a:tc>
+                <a:tc>
+                  <a:txBody>
+                    <a:bodyPr/>
+                    <a:lstStyle/>
+                    <a:p>
+                      <a:endParaRPr lang="pt-BR" sz="1400" b="1" dirty="0"/>
+                    </a:p>
+                  </a:txBody>
+                  <a:tcPr/>
+                </a:tc>
+                <a:tc>
+                  <a:txBody>
+                    <a:bodyPr/>
+                    <a:lstStyle/>
+                    <a:p>
+                      <a:endParaRPr lang="pt-BR" sz="1400" b="1" dirty="0"/>
+                    </a:p>
+                  </a:txBody>
+                  <a:tcPr/>
+                </a:tc>
+              </a:tr>
+              <a:tr h="492810">
+                <a:tc>
+                  <a:txBody>
+                    <a:bodyPr/>
+                    <a:lstStyle/>
+                    <a:p>
+                      <a:r>
+                        <a:rPr lang="en-US" sz="2000" b="1" dirty="0" err="1" smtClean="0">
+                          <a:effectLst/>
+                        </a:rPr>
+                        <a:t>Raoni</a:t>
+                      </a:r>
+                      <a:endParaRPr lang="pt-BR" sz="2000" b="1" dirty="0">
+                        <a:effectLst/>
+                      </a:endParaRPr>
+                    </a:p>
+                  </a:txBody>
+                  <a:tcPr anchor="ctr"/>
+                </a:tc>
+                <a:tc>
+                  <a:txBody>
+                    <a:bodyPr/>
+                    <a:lstStyle/>
+                    <a:p>
+                      <a:endParaRPr lang="pt-BR" sz="1400" b="1" dirty="0"/>
+                    </a:p>
+                  </a:txBody>
+                  <a:tcPr/>
+                </a:tc>
+                <a:tc>
+                  <a:txBody>
+                    <a:bodyPr/>
+                    <a:lstStyle/>
+                    <a:p>
+                      <a:endParaRPr lang="pt-BR" sz="1400" b="1" dirty="0"/>
+                    </a:p>
+                  </a:txBody>
+                  <a:tcPr/>
+                </a:tc>
+              </a:tr>
+              <a:tr h="492810">
+                <a:tc>
+                  <a:txBody>
+                    <a:bodyPr/>
+                    <a:lstStyle/>
+                    <a:p>
+                      <a:r>
+                        <a:rPr lang="en-US" sz="2000" b="1" dirty="0" smtClean="0">
+                          <a:effectLst/>
+                        </a:rPr>
+                        <a:t>Marcelo</a:t>
+                      </a:r>
+                      <a:endParaRPr lang="pt-BR" sz="2000" b="1" dirty="0">
+                        <a:effectLst/>
+                      </a:endParaRPr>
+                    </a:p>
+                  </a:txBody>
+                  <a:tcPr anchor="ctr"/>
+                </a:tc>
+                <a:tc>
+                  <a:txBody>
+                    <a:bodyPr/>
+                    <a:lstStyle/>
+                    <a:p>
+                      <a:endParaRPr lang="pt-BR" sz="1400" b="1" dirty="0"/>
+                    </a:p>
+                  </a:txBody>
+                  <a:tcPr/>
+                </a:tc>
+                <a:tc>
+                  <a:txBody>
+                    <a:bodyPr/>
+                    <a:lstStyle/>
+                    <a:p>
+                      <a:endParaRPr lang="pt-BR" sz="1400" b="1" dirty="0"/>
+                    </a:p>
+                  </a:txBody>
+                  <a:tcPr/>
+                </a:tc>
+              </a:tr>
+              <a:tr h="492810">
+                <a:tc>
+                  <a:txBody>
+                    <a:bodyPr/>
+                    <a:lstStyle/>
+                    <a:p>
+                      <a:r>
+                        <a:rPr lang="en-US" sz="2000" b="1" dirty="0" err="1" smtClean="0">
+                          <a:effectLst/>
+                        </a:rPr>
+                        <a:t>Caloã</a:t>
+                      </a:r>
+                      <a:endParaRPr lang="pt-BR" sz="2000" b="1" dirty="0">
+                        <a:effectLst/>
+                      </a:endParaRPr>
+                    </a:p>
+                  </a:txBody>
+                  <a:tcPr anchor="ctr"/>
+                </a:tc>
+                <a:tc>
+                  <a:txBody>
+                    <a:bodyPr/>
+                    <a:lstStyle/>
+                    <a:p>
+                      <a:endParaRPr lang="pt-BR" sz="1400" b="1" dirty="0"/>
+                    </a:p>
+                  </a:txBody>
+                  <a:tcPr/>
+                </a:tc>
+                <a:tc>
+                  <a:txBody>
+                    <a:bodyPr/>
+                    <a:lstStyle/>
+                    <a:p>
+                      <a:endParaRPr lang="pt-BR" sz="1400" b="1" dirty="0"/>
+                    </a:p>
+                  </a:txBody>
+                  <a:tcPr/>
+                </a:tc>
+              </a:tr>
+            </a:tbl>
+          </a:graphicData>
+        </a:graphic>
+      </p:graphicFrame>
+      <p:grpSp>
+        <p:nvGrpSpPr>
+          <p:cNvPr id="9" name="Grupo 7"/>
+          <p:cNvGrpSpPr/>
+          <p:nvPr/>
+        </p:nvGrpSpPr>
+        <p:grpSpPr>
+          <a:xfrm>
+            <a:off x="5508104" y="6021288"/>
+            <a:ext cx="548680" cy="548680"/>
+            <a:chOff x="3779912" y="1412776"/>
+            <a:chExt cx="2592288" cy="2592288"/>
+          </a:xfrm>
+        </p:grpSpPr>
+        <p:sp>
+          <p:nvSpPr>
+            <p:cNvPr id="14" name="Retângulo de cantos arredondados 13"/>
+            <p:cNvSpPr/>
+            <p:nvPr/>
+          </p:nvSpPr>
+          <p:spPr>
+            <a:xfrm>
+              <a:off x="3779912" y="1412776"/>
+              <a:ext cx="2592288" cy="2592288"/>
+            </a:xfrm>
+            <a:prstGeom prst="roundRect">
+              <a:avLst/>
+            </a:prstGeom>
+          </p:spPr>
+          <p:style>
+            <a:lnRef idx="1">
+              <a:schemeClr val="accent1"/>
+            </a:lnRef>
+            <a:fillRef idx="3">
+              <a:schemeClr val="accent1"/>
+            </a:fillRef>
+            <a:effectRef idx="2">
+              <a:schemeClr val="accent1"/>
+            </a:effectRef>
+            <a:fontRef idx="minor">
+              <a:schemeClr val="lt1"/>
+            </a:fontRef>
+          </p:style>
+          <p:txBody>
+            <a:bodyPr rtlCol="0" anchor="ctr"/>
+            <a:lstStyle/>
+            <a:p>
+              <a:pPr algn="ctr"/>
+              <a:endParaRPr lang="pt-BR"/>
+            </a:p>
+          </p:txBody>
+        </p:sp>
+        <p:pic>
+          <p:nvPicPr>
+            <p:cNvPr id="15" name="Imagem 14" descr="NHC_icon-white_512px.png"/>
+            <p:cNvPicPr>
+              <a:picLocks noChangeAspect="1"/>
+            </p:cNvPicPr>
+            <p:nvPr/>
+          </p:nvPicPr>
+          <p:blipFill>
+            <a:blip r:embed="rId3" cstate="print"/>
+            <a:stretch>
+              <a:fillRect/>
+            </a:stretch>
+          </p:blipFill>
+          <p:spPr>
+            <a:xfrm>
+              <a:off x="3851920" y="1484784"/>
+              <a:ext cx="2438400" cy="2438400"/>
+            </a:xfrm>
+            <a:prstGeom prst="rect">
+              <a:avLst/>
+            </a:prstGeom>
+            <a:ln>
+              <a:noFill/>
+            </a:ln>
+            <a:effectLst>
+              <a:outerShdw blurRad="190500" algn="tl" rotWithShape="0">
+                <a:srgbClr val="000000">
+                  <a:alpha val="70000"/>
+                </a:srgbClr>
+              </a:outerShdw>
+            </a:effectLst>
+          </p:spPr>
+        </p:pic>
+      </p:grpSp>
     </p:spTree>
   </p:cSld>
   <p:clrMapOvr>
